--- a/picture/画图.pptx
+++ b/picture/画图.pptx
@@ -5,7 +5,7 @@
     <p:sldMasterId id="2147483648" r:id="rId1"/>
   </p:sldMasterIdLst>
   <p:sldIdLst>
-    <p:sldId id="259" r:id="rId2"/>
+    <p:sldId id="259" r:id="rId3"/>
   </p:sldIdLst>
   <p:sldSz cx="12192000" cy="6858000"/>
   <p:notesSz cx="6858000" cy="9144000"/>
@@ -104,11 +104,6 @@
       </a:defRPr>
     </a:lvl9pPr>
   </p:defaultTextStyle>
-  <p:extLst>
-    <p:ext uri="{EFAFB233-063F-42B5-8137-9DF3F51BA10A}">
-      <p15:sldGuideLst xmlns:p15="http://schemas.microsoft.com/office/powerpoint/2012/main"/>
-    </p:ext>
-  </p:extLst>
 </p:presentation>
 </file>
 
@@ -157,6 +152,7 @@
               <a:rPr lang="zh-CN" altLang="en-US"/>
               <a:t>单击此处编辑母版标题样式</a:t>
             </a:r>
+            <a:endParaRPr lang="zh-CN" altLang="en-US"/>
           </a:p>
         </p:txBody>
       </p:sp>
@@ -221,6 +217,7 @@
               <a:rPr lang="zh-CN" altLang="en-US"/>
               <a:t>单击此处编辑母版副标题样式</a:t>
             </a:r>
+            <a:endParaRPr lang="zh-CN" altLang="en-US"/>
           </a:p>
         </p:txBody>
       </p:sp>
@@ -241,7 +238,6 @@
           <a:p>
             <a:fld id="{D997B5FA-0921-464F-AAE1-844C04324D75}" type="datetimeFigureOut">
               <a:rPr lang="zh-CN" altLang="en-US" smtClean="0"/>
-              <a:t>2018/4/20</a:t>
             </a:fld>
             <a:endParaRPr lang="zh-CN" altLang="en-US"/>
           </a:p>
@@ -283,7 +279,6 @@
           <a:p>
             <a:fld id="{565CE74E-AB26-4998-AD42-012C4C1AD076}" type="slidenum">
               <a:rPr lang="zh-CN" altLang="en-US" smtClean="0"/>
-              <a:t>‹#›</a:t>
             </a:fld>
             <a:endParaRPr lang="zh-CN" altLang="en-US"/>
           </a:p>
@@ -333,6 +328,7 @@
               <a:rPr lang="zh-CN" altLang="en-US"/>
               <a:t>单击此处编辑母版标题样式</a:t>
             </a:r>
+            <a:endParaRPr lang="zh-CN" altLang="en-US"/>
           </a:p>
         </p:txBody>
       </p:sp>
@@ -356,6 +352,7 @@
               <a:rPr lang="zh-CN" altLang="en-US"/>
               <a:t>单击此处编辑母版文本样式</a:t>
             </a:r>
+            <a:endParaRPr lang="zh-CN" altLang="en-US"/>
           </a:p>
           <a:p>
             <a:pPr lvl="1"/>
@@ -363,6 +360,7 @@
               <a:rPr lang="zh-CN" altLang="en-US"/>
               <a:t>第二级</a:t>
             </a:r>
+            <a:endParaRPr lang="zh-CN" altLang="en-US"/>
           </a:p>
           <a:p>
             <a:pPr lvl="2"/>
@@ -370,6 +368,7 @@
               <a:rPr lang="zh-CN" altLang="en-US"/>
               <a:t>第三级</a:t>
             </a:r>
+            <a:endParaRPr lang="zh-CN" altLang="en-US"/>
           </a:p>
           <a:p>
             <a:pPr lvl="3"/>
@@ -377,6 +376,7 @@
               <a:rPr lang="zh-CN" altLang="en-US"/>
               <a:t>第四级</a:t>
             </a:r>
+            <a:endParaRPr lang="zh-CN" altLang="en-US"/>
           </a:p>
           <a:p>
             <a:pPr lvl="4"/>
@@ -384,6 +384,7 @@
               <a:rPr lang="zh-CN" altLang="en-US"/>
               <a:t>第五级</a:t>
             </a:r>
+            <a:endParaRPr lang="zh-CN" altLang="en-US"/>
           </a:p>
         </p:txBody>
       </p:sp>
@@ -404,7 +405,6 @@
           <a:p>
             <a:fld id="{D997B5FA-0921-464F-AAE1-844C04324D75}" type="datetimeFigureOut">
               <a:rPr lang="zh-CN" altLang="en-US" smtClean="0"/>
-              <a:t>2018/4/20</a:t>
             </a:fld>
             <a:endParaRPr lang="zh-CN" altLang="en-US"/>
           </a:p>
@@ -446,7 +446,6 @@
           <a:p>
             <a:fld id="{565CE74E-AB26-4998-AD42-012C4C1AD076}" type="slidenum">
               <a:rPr lang="zh-CN" altLang="en-US" smtClean="0"/>
-              <a:t>‹#›</a:t>
             </a:fld>
             <a:endParaRPr lang="zh-CN" altLang="en-US"/>
           </a:p>
@@ -501,6 +500,7 @@
               <a:rPr lang="zh-CN" altLang="en-US"/>
               <a:t>单击此处编辑母版标题样式</a:t>
             </a:r>
+            <a:endParaRPr lang="zh-CN" altLang="en-US"/>
           </a:p>
         </p:txBody>
       </p:sp>
@@ -529,6 +529,7 @@
               <a:rPr lang="zh-CN" altLang="en-US"/>
               <a:t>单击此处编辑母版文本样式</a:t>
             </a:r>
+            <a:endParaRPr lang="zh-CN" altLang="en-US"/>
           </a:p>
           <a:p>
             <a:pPr lvl="1"/>
@@ -536,6 +537,7 @@
               <a:rPr lang="zh-CN" altLang="en-US"/>
               <a:t>第二级</a:t>
             </a:r>
+            <a:endParaRPr lang="zh-CN" altLang="en-US"/>
           </a:p>
           <a:p>
             <a:pPr lvl="2"/>
@@ -543,6 +545,7 @@
               <a:rPr lang="zh-CN" altLang="en-US"/>
               <a:t>第三级</a:t>
             </a:r>
+            <a:endParaRPr lang="zh-CN" altLang="en-US"/>
           </a:p>
           <a:p>
             <a:pPr lvl="3"/>
@@ -550,6 +553,7 @@
               <a:rPr lang="zh-CN" altLang="en-US"/>
               <a:t>第四级</a:t>
             </a:r>
+            <a:endParaRPr lang="zh-CN" altLang="en-US"/>
           </a:p>
           <a:p>
             <a:pPr lvl="4"/>
@@ -557,6 +561,7 @@
               <a:rPr lang="zh-CN" altLang="en-US"/>
               <a:t>第五级</a:t>
             </a:r>
+            <a:endParaRPr lang="zh-CN" altLang="en-US"/>
           </a:p>
         </p:txBody>
       </p:sp>
@@ -577,7 +582,6 @@
           <a:p>
             <a:fld id="{D997B5FA-0921-464F-AAE1-844C04324D75}" type="datetimeFigureOut">
               <a:rPr lang="zh-CN" altLang="en-US" smtClean="0"/>
-              <a:t>2018/4/20</a:t>
             </a:fld>
             <a:endParaRPr lang="zh-CN" altLang="en-US"/>
           </a:p>
@@ -619,7 +623,6 @@
           <a:p>
             <a:fld id="{565CE74E-AB26-4998-AD42-012C4C1AD076}" type="slidenum">
               <a:rPr lang="zh-CN" altLang="en-US" smtClean="0"/>
-              <a:t>‹#›</a:t>
             </a:fld>
             <a:endParaRPr lang="zh-CN" altLang="en-US"/>
           </a:p>
@@ -669,6 +672,7 @@
               <a:rPr lang="zh-CN" altLang="en-US"/>
               <a:t>单击此处编辑母版标题样式</a:t>
             </a:r>
+            <a:endParaRPr lang="zh-CN" altLang="en-US"/>
           </a:p>
         </p:txBody>
       </p:sp>
@@ -692,6 +696,7 @@
               <a:rPr lang="zh-CN" altLang="en-US"/>
               <a:t>单击此处编辑母版文本样式</a:t>
             </a:r>
+            <a:endParaRPr lang="zh-CN" altLang="en-US"/>
           </a:p>
           <a:p>
             <a:pPr lvl="1"/>
@@ -699,6 +704,7 @@
               <a:rPr lang="zh-CN" altLang="en-US"/>
               <a:t>第二级</a:t>
             </a:r>
+            <a:endParaRPr lang="zh-CN" altLang="en-US"/>
           </a:p>
           <a:p>
             <a:pPr lvl="2"/>
@@ -706,6 +712,7 @@
               <a:rPr lang="zh-CN" altLang="en-US"/>
               <a:t>第三级</a:t>
             </a:r>
+            <a:endParaRPr lang="zh-CN" altLang="en-US"/>
           </a:p>
           <a:p>
             <a:pPr lvl="3"/>
@@ -713,6 +720,7 @@
               <a:rPr lang="zh-CN" altLang="en-US"/>
               <a:t>第四级</a:t>
             </a:r>
+            <a:endParaRPr lang="zh-CN" altLang="en-US"/>
           </a:p>
           <a:p>
             <a:pPr lvl="4"/>
@@ -720,6 +728,7 @@
               <a:rPr lang="zh-CN" altLang="en-US"/>
               <a:t>第五级</a:t>
             </a:r>
+            <a:endParaRPr lang="zh-CN" altLang="en-US"/>
           </a:p>
         </p:txBody>
       </p:sp>
@@ -740,7 +749,6 @@
           <a:p>
             <a:fld id="{D997B5FA-0921-464F-AAE1-844C04324D75}" type="datetimeFigureOut">
               <a:rPr lang="zh-CN" altLang="en-US" smtClean="0"/>
-              <a:t>2018/4/20</a:t>
             </a:fld>
             <a:endParaRPr lang="zh-CN" altLang="en-US"/>
           </a:p>
@@ -782,7 +790,6 @@
           <a:p>
             <a:fld id="{565CE74E-AB26-4998-AD42-012C4C1AD076}" type="slidenum">
               <a:rPr lang="zh-CN" altLang="en-US" smtClean="0"/>
-              <a:t>‹#›</a:t>
             </a:fld>
             <a:endParaRPr lang="zh-CN" altLang="en-US"/>
           </a:p>
@@ -841,6 +848,7 @@
               <a:rPr lang="zh-CN" altLang="en-US"/>
               <a:t>单击此处编辑母版标题样式</a:t>
             </a:r>
+            <a:endParaRPr lang="zh-CN" altLang="en-US"/>
           </a:p>
         </p:txBody>
       </p:sp>
@@ -960,6 +968,7 @@
               <a:rPr lang="zh-CN" altLang="en-US"/>
               <a:t>单击此处编辑母版文本样式</a:t>
             </a:r>
+            <a:endParaRPr lang="zh-CN" altLang="en-US"/>
           </a:p>
         </p:txBody>
       </p:sp>
@@ -980,7 +989,6 @@
           <a:p>
             <a:fld id="{D997B5FA-0921-464F-AAE1-844C04324D75}" type="datetimeFigureOut">
               <a:rPr lang="zh-CN" altLang="en-US" smtClean="0"/>
-              <a:t>2018/4/20</a:t>
             </a:fld>
             <a:endParaRPr lang="zh-CN" altLang="en-US"/>
           </a:p>
@@ -1022,7 +1030,6 @@
           <a:p>
             <a:fld id="{565CE74E-AB26-4998-AD42-012C4C1AD076}" type="slidenum">
               <a:rPr lang="zh-CN" altLang="en-US" smtClean="0"/>
-              <a:t>‹#›</a:t>
             </a:fld>
             <a:endParaRPr lang="zh-CN" altLang="en-US"/>
           </a:p>
@@ -1072,6 +1079,7 @@
               <a:rPr lang="zh-CN" altLang="en-US"/>
               <a:t>单击此处编辑母版标题样式</a:t>
             </a:r>
+            <a:endParaRPr lang="zh-CN" altLang="en-US"/>
           </a:p>
         </p:txBody>
       </p:sp>
@@ -1100,6 +1108,7 @@
               <a:rPr lang="zh-CN" altLang="en-US"/>
               <a:t>单击此处编辑母版文本样式</a:t>
             </a:r>
+            <a:endParaRPr lang="zh-CN" altLang="en-US"/>
           </a:p>
           <a:p>
             <a:pPr lvl="1"/>
@@ -1107,6 +1116,7 @@
               <a:rPr lang="zh-CN" altLang="en-US"/>
               <a:t>第二级</a:t>
             </a:r>
+            <a:endParaRPr lang="zh-CN" altLang="en-US"/>
           </a:p>
           <a:p>
             <a:pPr lvl="2"/>
@@ -1114,6 +1124,7 @@
               <a:rPr lang="zh-CN" altLang="en-US"/>
               <a:t>第三级</a:t>
             </a:r>
+            <a:endParaRPr lang="zh-CN" altLang="en-US"/>
           </a:p>
           <a:p>
             <a:pPr lvl="3"/>
@@ -1121,6 +1132,7 @@
               <a:rPr lang="zh-CN" altLang="en-US"/>
               <a:t>第四级</a:t>
             </a:r>
+            <a:endParaRPr lang="zh-CN" altLang="en-US"/>
           </a:p>
           <a:p>
             <a:pPr lvl="4"/>
@@ -1128,6 +1140,7 @@
               <a:rPr lang="zh-CN" altLang="en-US"/>
               <a:t>第五级</a:t>
             </a:r>
+            <a:endParaRPr lang="zh-CN" altLang="en-US"/>
           </a:p>
         </p:txBody>
       </p:sp>
@@ -1156,6 +1169,7 @@
               <a:rPr lang="zh-CN" altLang="en-US"/>
               <a:t>单击此处编辑母版文本样式</a:t>
             </a:r>
+            <a:endParaRPr lang="zh-CN" altLang="en-US"/>
           </a:p>
           <a:p>
             <a:pPr lvl="1"/>
@@ -1163,6 +1177,7 @@
               <a:rPr lang="zh-CN" altLang="en-US"/>
               <a:t>第二级</a:t>
             </a:r>
+            <a:endParaRPr lang="zh-CN" altLang="en-US"/>
           </a:p>
           <a:p>
             <a:pPr lvl="2"/>
@@ -1170,6 +1185,7 @@
               <a:rPr lang="zh-CN" altLang="en-US"/>
               <a:t>第三级</a:t>
             </a:r>
+            <a:endParaRPr lang="zh-CN" altLang="en-US"/>
           </a:p>
           <a:p>
             <a:pPr lvl="3"/>
@@ -1177,6 +1193,7 @@
               <a:rPr lang="zh-CN" altLang="en-US"/>
               <a:t>第四级</a:t>
             </a:r>
+            <a:endParaRPr lang="zh-CN" altLang="en-US"/>
           </a:p>
           <a:p>
             <a:pPr lvl="4"/>
@@ -1184,6 +1201,7 @@
               <a:rPr lang="zh-CN" altLang="en-US"/>
               <a:t>第五级</a:t>
             </a:r>
+            <a:endParaRPr lang="zh-CN" altLang="en-US"/>
           </a:p>
         </p:txBody>
       </p:sp>
@@ -1204,7 +1222,6 @@
           <a:p>
             <a:fld id="{D997B5FA-0921-464F-AAE1-844C04324D75}" type="datetimeFigureOut">
               <a:rPr lang="zh-CN" altLang="en-US" smtClean="0"/>
-              <a:t>2018/4/20</a:t>
             </a:fld>
             <a:endParaRPr lang="zh-CN" altLang="en-US"/>
           </a:p>
@@ -1246,7 +1263,6 @@
           <a:p>
             <a:fld id="{565CE74E-AB26-4998-AD42-012C4C1AD076}" type="slidenum">
               <a:rPr lang="zh-CN" altLang="en-US" smtClean="0"/>
-              <a:t>‹#›</a:t>
             </a:fld>
             <a:endParaRPr lang="zh-CN" altLang="en-US"/>
           </a:p>
@@ -1301,6 +1317,7 @@
               <a:rPr lang="zh-CN" altLang="en-US"/>
               <a:t>单击此处编辑母版标题样式</a:t>
             </a:r>
+            <a:endParaRPr lang="zh-CN" altLang="en-US"/>
           </a:p>
         </p:txBody>
       </p:sp>
@@ -1366,6 +1383,7 @@
               <a:rPr lang="zh-CN" altLang="en-US"/>
               <a:t>单击此处编辑母版文本样式</a:t>
             </a:r>
+            <a:endParaRPr lang="zh-CN" altLang="en-US"/>
           </a:p>
         </p:txBody>
       </p:sp>
@@ -1394,6 +1412,7 @@
               <a:rPr lang="zh-CN" altLang="en-US"/>
               <a:t>单击此处编辑母版文本样式</a:t>
             </a:r>
+            <a:endParaRPr lang="zh-CN" altLang="en-US"/>
           </a:p>
           <a:p>
             <a:pPr lvl="1"/>
@@ -1401,6 +1420,7 @@
               <a:rPr lang="zh-CN" altLang="en-US"/>
               <a:t>第二级</a:t>
             </a:r>
+            <a:endParaRPr lang="zh-CN" altLang="en-US"/>
           </a:p>
           <a:p>
             <a:pPr lvl="2"/>
@@ -1408,6 +1428,7 @@
               <a:rPr lang="zh-CN" altLang="en-US"/>
               <a:t>第三级</a:t>
             </a:r>
+            <a:endParaRPr lang="zh-CN" altLang="en-US"/>
           </a:p>
           <a:p>
             <a:pPr lvl="3"/>
@@ -1415,6 +1436,7 @@
               <a:rPr lang="zh-CN" altLang="en-US"/>
               <a:t>第四级</a:t>
             </a:r>
+            <a:endParaRPr lang="zh-CN" altLang="en-US"/>
           </a:p>
           <a:p>
             <a:pPr lvl="4"/>
@@ -1422,6 +1444,7 @@
               <a:rPr lang="zh-CN" altLang="en-US"/>
               <a:t>第五级</a:t>
             </a:r>
+            <a:endParaRPr lang="zh-CN" altLang="en-US"/>
           </a:p>
         </p:txBody>
       </p:sp>
@@ -1487,6 +1510,7 @@
               <a:rPr lang="zh-CN" altLang="en-US"/>
               <a:t>单击此处编辑母版文本样式</a:t>
             </a:r>
+            <a:endParaRPr lang="zh-CN" altLang="en-US"/>
           </a:p>
         </p:txBody>
       </p:sp>
@@ -1515,6 +1539,7 @@
               <a:rPr lang="zh-CN" altLang="en-US"/>
               <a:t>单击此处编辑母版文本样式</a:t>
             </a:r>
+            <a:endParaRPr lang="zh-CN" altLang="en-US"/>
           </a:p>
           <a:p>
             <a:pPr lvl="1"/>
@@ -1522,6 +1547,7 @@
               <a:rPr lang="zh-CN" altLang="en-US"/>
               <a:t>第二级</a:t>
             </a:r>
+            <a:endParaRPr lang="zh-CN" altLang="en-US"/>
           </a:p>
           <a:p>
             <a:pPr lvl="2"/>
@@ -1529,6 +1555,7 @@
               <a:rPr lang="zh-CN" altLang="en-US"/>
               <a:t>第三级</a:t>
             </a:r>
+            <a:endParaRPr lang="zh-CN" altLang="en-US"/>
           </a:p>
           <a:p>
             <a:pPr lvl="3"/>
@@ -1536,6 +1563,7 @@
               <a:rPr lang="zh-CN" altLang="en-US"/>
               <a:t>第四级</a:t>
             </a:r>
+            <a:endParaRPr lang="zh-CN" altLang="en-US"/>
           </a:p>
           <a:p>
             <a:pPr lvl="4"/>
@@ -1543,6 +1571,7 @@
               <a:rPr lang="zh-CN" altLang="en-US"/>
               <a:t>第五级</a:t>
             </a:r>
+            <a:endParaRPr lang="zh-CN" altLang="en-US"/>
           </a:p>
         </p:txBody>
       </p:sp>
@@ -1563,7 +1592,6 @@
           <a:p>
             <a:fld id="{D997B5FA-0921-464F-AAE1-844C04324D75}" type="datetimeFigureOut">
               <a:rPr lang="zh-CN" altLang="en-US" smtClean="0"/>
-              <a:t>2018/4/20</a:t>
             </a:fld>
             <a:endParaRPr lang="zh-CN" altLang="en-US"/>
           </a:p>
@@ -1605,7 +1633,6 @@
           <a:p>
             <a:fld id="{565CE74E-AB26-4998-AD42-012C4C1AD076}" type="slidenum">
               <a:rPr lang="zh-CN" altLang="en-US" smtClean="0"/>
-              <a:t>‹#›</a:t>
             </a:fld>
             <a:endParaRPr lang="zh-CN" altLang="en-US"/>
           </a:p>
@@ -1655,6 +1682,7 @@
               <a:rPr lang="zh-CN" altLang="en-US"/>
               <a:t>单击此处编辑母版标题样式</a:t>
             </a:r>
+            <a:endParaRPr lang="zh-CN" altLang="en-US"/>
           </a:p>
         </p:txBody>
       </p:sp>
@@ -1675,7 +1703,6 @@
           <a:p>
             <a:fld id="{D997B5FA-0921-464F-AAE1-844C04324D75}" type="datetimeFigureOut">
               <a:rPr lang="zh-CN" altLang="en-US" smtClean="0"/>
-              <a:t>2018/4/20</a:t>
             </a:fld>
             <a:endParaRPr lang="zh-CN" altLang="en-US"/>
           </a:p>
@@ -1717,7 +1744,6 @@
           <a:p>
             <a:fld id="{565CE74E-AB26-4998-AD42-012C4C1AD076}" type="slidenum">
               <a:rPr lang="zh-CN" altLang="en-US" smtClean="0"/>
-              <a:t>‹#›</a:t>
             </a:fld>
             <a:endParaRPr lang="zh-CN" altLang="en-US"/>
           </a:p>
@@ -1765,7 +1791,6 @@
           <a:p>
             <a:fld id="{D997B5FA-0921-464F-AAE1-844C04324D75}" type="datetimeFigureOut">
               <a:rPr lang="zh-CN" altLang="en-US" smtClean="0"/>
-              <a:t>2018/4/20</a:t>
             </a:fld>
             <a:endParaRPr lang="zh-CN" altLang="en-US"/>
           </a:p>
@@ -1807,7 +1832,6 @@
           <a:p>
             <a:fld id="{565CE74E-AB26-4998-AD42-012C4C1AD076}" type="slidenum">
               <a:rPr lang="zh-CN" altLang="en-US" smtClean="0"/>
-              <a:t>‹#›</a:t>
             </a:fld>
             <a:endParaRPr lang="zh-CN" altLang="en-US"/>
           </a:p>
@@ -1866,6 +1890,7 @@
               <a:rPr lang="zh-CN" altLang="en-US"/>
               <a:t>单击此处编辑母版标题样式</a:t>
             </a:r>
+            <a:endParaRPr lang="zh-CN" altLang="en-US"/>
           </a:p>
         </p:txBody>
       </p:sp>
@@ -1922,6 +1947,7 @@
               <a:rPr lang="zh-CN" altLang="en-US"/>
               <a:t>单击此处编辑母版文本样式</a:t>
             </a:r>
+            <a:endParaRPr lang="zh-CN" altLang="en-US"/>
           </a:p>
           <a:p>
             <a:pPr lvl="1"/>
@@ -1929,6 +1955,7 @@
               <a:rPr lang="zh-CN" altLang="en-US"/>
               <a:t>第二级</a:t>
             </a:r>
+            <a:endParaRPr lang="zh-CN" altLang="en-US"/>
           </a:p>
           <a:p>
             <a:pPr lvl="2"/>
@@ -1936,6 +1963,7 @@
               <a:rPr lang="zh-CN" altLang="en-US"/>
               <a:t>第三级</a:t>
             </a:r>
+            <a:endParaRPr lang="zh-CN" altLang="en-US"/>
           </a:p>
           <a:p>
             <a:pPr lvl="3"/>
@@ -1943,6 +1971,7 @@
               <a:rPr lang="zh-CN" altLang="en-US"/>
               <a:t>第四级</a:t>
             </a:r>
+            <a:endParaRPr lang="zh-CN" altLang="en-US"/>
           </a:p>
           <a:p>
             <a:pPr lvl="4"/>
@@ -1950,6 +1979,7 @@
               <a:rPr lang="zh-CN" altLang="en-US"/>
               <a:t>第五级</a:t>
             </a:r>
+            <a:endParaRPr lang="zh-CN" altLang="en-US"/>
           </a:p>
         </p:txBody>
       </p:sp>
@@ -2015,6 +2045,7 @@
               <a:rPr lang="zh-CN" altLang="en-US"/>
               <a:t>单击此处编辑母版文本样式</a:t>
             </a:r>
+            <a:endParaRPr lang="zh-CN" altLang="en-US"/>
           </a:p>
         </p:txBody>
       </p:sp>
@@ -2035,7 +2066,6 @@
           <a:p>
             <a:fld id="{D997B5FA-0921-464F-AAE1-844C04324D75}" type="datetimeFigureOut">
               <a:rPr lang="zh-CN" altLang="en-US" smtClean="0"/>
-              <a:t>2018/4/20</a:t>
             </a:fld>
             <a:endParaRPr lang="zh-CN" altLang="en-US"/>
           </a:p>
@@ -2077,7 +2107,6 @@
           <a:p>
             <a:fld id="{565CE74E-AB26-4998-AD42-012C4C1AD076}" type="slidenum">
               <a:rPr lang="zh-CN" altLang="en-US" smtClean="0"/>
-              <a:t>‹#›</a:t>
             </a:fld>
             <a:endParaRPr lang="zh-CN" altLang="en-US"/>
           </a:p>
@@ -2136,6 +2165,7 @@
               <a:rPr lang="zh-CN" altLang="en-US"/>
               <a:t>单击此处编辑母版标题样式</a:t>
             </a:r>
+            <a:endParaRPr lang="zh-CN" altLang="en-US"/>
           </a:p>
         </p:txBody>
       </p:sp>
@@ -2262,6 +2292,7 @@
               <a:rPr lang="zh-CN" altLang="en-US"/>
               <a:t>单击此处编辑母版文本样式</a:t>
             </a:r>
+            <a:endParaRPr lang="zh-CN" altLang="en-US"/>
           </a:p>
         </p:txBody>
       </p:sp>
@@ -2282,7 +2313,6 @@
           <a:p>
             <a:fld id="{D997B5FA-0921-464F-AAE1-844C04324D75}" type="datetimeFigureOut">
               <a:rPr lang="zh-CN" altLang="en-US" smtClean="0"/>
-              <a:t>2018/4/20</a:t>
             </a:fld>
             <a:endParaRPr lang="zh-CN" altLang="en-US"/>
           </a:p>
@@ -2324,7 +2354,6 @@
           <a:p>
             <a:fld id="{565CE74E-AB26-4998-AD42-012C4C1AD076}" type="slidenum">
               <a:rPr lang="zh-CN" altLang="en-US" smtClean="0"/>
-              <a:t>‹#›</a:t>
             </a:fld>
             <a:endParaRPr lang="zh-CN" altLang="en-US"/>
           </a:p>
@@ -2389,6 +2418,7 @@
               <a:rPr lang="zh-CN" altLang="en-US"/>
               <a:t>单击此处编辑母版标题样式</a:t>
             </a:r>
+            <a:endParaRPr lang="zh-CN" altLang="en-US"/>
           </a:p>
         </p:txBody>
       </p:sp>
@@ -2422,6 +2452,7 @@
               <a:rPr lang="zh-CN" altLang="en-US"/>
               <a:t>单击此处编辑母版文本样式</a:t>
             </a:r>
+            <a:endParaRPr lang="zh-CN" altLang="en-US"/>
           </a:p>
           <a:p>
             <a:pPr lvl="1"/>
@@ -2429,6 +2460,7 @@
               <a:rPr lang="zh-CN" altLang="en-US"/>
               <a:t>第二级</a:t>
             </a:r>
+            <a:endParaRPr lang="zh-CN" altLang="en-US"/>
           </a:p>
           <a:p>
             <a:pPr lvl="2"/>
@@ -2436,6 +2468,7 @@
               <a:rPr lang="zh-CN" altLang="en-US"/>
               <a:t>第三级</a:t>
             </a:r>
+            <a:endParaRPr lang="zh-CN" altLang="en-US"/>
           </a:p>
           <a:p>
             <a:pPr lvl="3"/>
@@ -2443,6 +2476,7 @@
               <a:rPr lang="zh-CN" altLang="en-US"/>
               <a:t>第四级</a:t>
             </a:r>
+            <a:endParaRPr lang="zh-CN" altLang="en-US"/>
           </a:p>
           <a:p>
             <a:pPr lvl="4"/>
@@ -2450,6 +2484,7 @@
               <a:rPr lang="zh-CN" altLang="en-US"/>
               <a:t>第五级</a:t>
             </a:r>
+            <a:endParaRPr lang="zh-CN" altLang="en-US"/>
           </a:p>
         </p:txBody>
       </p:sp>
@@ -2488,7 +2523,6 @@
           <a:p>
             <a:fld id="{D997B5FA-0921-464F-AAE1-844C04324D75}" type="datetimeFigureOut">
               <a:rPr lang="zh-CN" altLang="en-US" smtClean="0"/>
-              <a:t>2018/4/20</a:t>
             </a:fld>
             <a:endParaRPr lang="zh-CN" altLang="en-US"/>
           </a:p>
@@ -2566,7 +2600,6 @@
           <a:p>
             <a:fld id="{565CE74E-AB26-4998-AD42-012C4C1AD076}" type="slidenum">
               <a:rPr lang="zh-CN" altLang="en-US" smtClean="0"/>
-              <a:t>‹#›</a:t>
             </a:fld>
             <a:endParaRPr lang="zh-CN" altLang="en-US"/>
           </a:p>
@@ -2970,8 +3003,9 @@
             <a:pPr algn="ctr"/>
             <a:r>
               <a:rPr lang="en-US" altLang="zh-CN" b="1" dirty="0"/>
-              <a:t>Step 1: Identify memory access pattern</a:t>
-            </a:r>
+              <a:t>Step 1:Identify Memory Access Pattern</a:t>
+            </a:r>
+            <a:endParaRPr lang="en-US" altLang="zh-CN" b="1" dirty="0"/>
           </a:p>
         </p:txBody>
       </p:sp>
@@ -3073,6 +3107,7 @@
               <a:rPr lang="en-US" altLang="zh-CN" dirty="0"/>
               <a:t>Obtain pattern list</a:t>
             </a:r>
+            <a:endParaRPr lang="en-US" altLang="zh-CN" dirty="0"/>
           </a:p>
         </p:txBody>
       </p:sp>
@@ -3128,6 +3163,16 @@
               </a:rPr>
               <a:t>JPF</a:t>
             </a:r>
+            <a:endParaRPr lang="en-US" altLang="zh-CN" dirty="0">
+              <a:ln w="0"/>
+              <a:effectLst>
+                <a:outerShdw blurRad="38100" dist="19050" dir="2700000" algn="tl" rotWithShape="0">
+                  <a:schemeClr val="dk1">
+                    <a:alpha val="40000"/>
+                  </a:schemeClr>
+                </a:outerShdw>
+              </a:effectLst>
+            </a:endParaRPr>
           </a:p>
         </p:txBody>
       </p:sp>
@@ -3183,6 +3228,16 @@
               </a:rPr>
               <a:t>Unicorn</a:t>
             </a:r>
+            <a:endParaRPr lang="en-US" altLang="zh-CN" dirty="0">
+              <a:ln w="0"/>
+              <a:effectLst>
+                <a:outerShdw blurRad="38100" dist="19050" dir="2700000" algn="tl" rotWithShape="0">
+                  <a:schemeClr val="dk1">
+                    <a:alpha val="40000"/>
+                  </a:schemeClr>
+                </a:outerShdw>
+              </a:effectLst>
+            </a:endParaRPr>
           </a:p>
         </p:txBody>
       </p:sp>
@@ -3190,7 +3245,6 @@
         <p:nvCxnSpPr>
           <p:cNvPr id="69" name="直接箭头连接符 68"/>
           <p:cNvCxnSpPr>
-            <a:cxnSpLocks/>
             <a:stCxn id="48" idx="0"/>
             <a:endCxn id="46" idx="2"/>
           </p:cNvCxnSpPr>
@@ -3235,7 +3289,7 @@
         </p:nvSpPr>
         <p:spPr>
           <a:xfrm>
-            <a:off x="7082189" y="815991"/>
+            <a:off x="7098699" y="815991"/>
             <a:ext cx="3677221" cy="1208341"/>
           </a:xfrm>
           <a:prstGeom prst="flowChartAlternateProcess">
@@ -3281,13 +3335,13 @@
             </a:br>
             <a:r>
               <a:rPr lang="en-US" altLang="zh-CN" b="1" dirty="0"/>
-              <a:t>Step 2: </a:t>
+              <a:t>Step 2:</a:t>
             </a:r>
             <a:r>
               <a:rPr lang="en-US" altLang="zh-CN" b="1" dirty="0">
                 <a:sym typeface="+mn-ea"/>
               </a:rPr>
-              <a:t>Identify locking policy</a:t>
+              <a:t>Identify Locking Policy</a:t>
             </a:r>
             <a:endParaRPr lang="en-US" altLang="zh-CN" b="1" dirty="0"/>
           </a:p>
@@ -3301,8 +3355,8 @@
         </p:nvSpPr>
         <p:spPr>
           <a:xfrm>
-            <a:off x="1480996" y="4353668"/>
-            <a:ext cx="9240485" cy="1591336"/>
+            <a:off x="6144895" y="4353560"/>
+            <a:ext cx="4631055" cy="1591310"/>
           </a:xfrm>
           <a:prstGeom prst="flowChartAlternateProcess">
             <a:avLst/>
@@ -3357,25 +3411,22 @@
             <a:pPr algn="ctr"/>
             <a:r>
               <a:rPr lang="en-US" altLang="zh-CN" b="1" dirty="0"/>
-              <a:t>Step 4: Test Fixed Program</a:t>
-            </a:r>
+              <a:t>Step 4:Fix the Fixed Program</a:t>
+            </a:r>
+            <a:endParaRPr lang="en-US" altLang="zh-CN" b="1" dirty="0"/>
           </a:p>
         </p:txBody>
       </p:sp>
       <p:cxnSp>
         <p:nvCxnSpPr>
           <p:cNvPr id="166" name="直接箭头连接符 165"/>
-          <p:cNvCxnSpPr>
-            <a:cxnSpLocks/>
-            <a:stCxn id="73" idx="2"/>
-            <a:endCxn id="83" idx="0"/>
-          </p:cNvCxnSpPr>
+          <p:cNvCxnSpPr/>
           <p:nvPr/>
         </p:nvCxnSpPr>
         <p:spPr>
           <a:xfrm>
-            <a:off x="8920800" y="2024332"/>
-            <a:ext cx="24469" cy="578536"/>
+            <a:off x="8936990" y="2024380"/>
+            <a:ext cx="7620" cy="578485"/>
           </a:xfrm>
           <a:prstGeom prst="straightConnector1">
             <a:avLst/>
@@ -3406,16 +3457,13 @@
       <p:cxnSp>
         <p:nvCxnSpPr>
           <p:cNvPr id="171" name="直接箭头连接符 170"/>
-          <p:cNvCxnSpPr>
-            <a:cxnSpLocks/>
-            <a:stCxn id="45" idx="2"/>
-          </p:cNvCxnSpPr>
+          <p:cNvCxnSpPr/>
           <p:nvPr/>
         </p:nvCxnSpPr>
         <p:spPr>
           <a:xfrm>
-            <a:off x="3590531" y="3802764"/>
-            <a:ext cx="1" cy="543682"/>
+            <a:off x="3132455" y="3803015"/>
+            <a:ext cx="0" cy="748665"/>
           </a:xfrm>
           <a:prstGeom prst="straightConnector1">
             <a:avLst/>
@@ -3448,55 +3496,15 @@
         <p:nvCxnSpPr>
           <p:cNvPr id="172" name="直接箭头连接符 171"/>
           <p:cNvCxnSpPr>
-            <a:cxnSpLocks/>
-            <a:stCxn id="152" idx="1"/>
-            <a:endCxn id="145" idx="3"/>
+            <a:stCxn id="145" idx="3"/>
+            <a:endCxn id="152" idx="1"/>
           </p:cNvCxnSpPr>
           <p:nvPr/>
         </p:nvCxnSpPr>
         <p:spPr>
-          <a:xfrm flipH="1">
-            <a:off x="8070482" y="4981313"/>
-            <a:ext cx="635962" cy="13144"/>
-          </a:xfrm>
-          <a:prstGeom prst="straightConnector1">
-            <a:avLst/>
-          </a:prstGeom>
-          <a:ln w="19050" cmpd="sng">
-            <a:solidFill>
-              <a:schemeClr val="tx1"/>
-            </a:solidFill>
-            <a:prstDash val="solid"/>
-            <a:tailEnd type="arrow"/>
-          </a:ln>
-        </p:spPr>
-        <p:style>
-          <a:lnRef idx="1">
-            <a:schemeClr val="accent1"/>
-          </a:lnRef>
-          <a:fillRef idx="0">
-            <a:schemeClr val="accent1"/>
-          </a:fillRef>
-          <a:effectRef idx="0">
-            <a:schemeClr val="accent1"/>
-          </a:effectRef>
-          <a:fontRef idx="minor">
-            <a:schemeClr val="tx1"/>
-          </a:fontRef>
-        </p:style>
-      </p:cxnSp>
-      <p:cxnSp>
-        <p:nvCxnSpPr>
-          <p:cNvPr id="174" name="直接箭头连接符 173"/>
-          <p:cNvCxnSpPr>
-            <a:cxnSpLocks/>
-          </p:cNvCxnSpPr>
-          <p:nvPr/>
-        </p:nvCxnSpPr>
-        <p:spPr>
-          <a:xfrm flipH="1">
-            <a:off x="4416989" y="4981313"/>
-            <a:ext cx="689618" cy="0"/>
+          <a:xfrm>
+            <a:off x="8618220" y="4986655"/>
+            <a:ext cx="332105" cy="3175"/>
           </a:xfrm>
           <a:prstGeom prst="straightConnector1">
             <a:avLst/>
@@ -3576,6 +3584,16 @@
               </a:rPr>
               <a:t>JPF</a:t>
             </a:r>
+            <a:endParaRPr lang="en-US" altLang="zh-CN" dirty="0">
+              <a:ln w="0"/>
+              <a:effectLst>
+                <a:outerShdw blurRad="38100" dist="19050" dir="2700000" algn="tl" rotWithShape="0">
+                  <a:schemeClr val="dk1">
+                    <a:alpha val="40000"/>
+                  </a:schemeClr>
+                </a:outerShdw>
+              </a:effectLst>
+            </a:endParaRPr>
           </a:p>
         </p:txBody>
       </p:sp>
@@ -3631,25 +3649,29 @@
               </a:rPr>
               <a:t>Unicorn</a:t>
             </a:r>
+            <a:endParaRPr lang="en-US" altLang="zh-CN" dirty="0">
+              <a:ln w="0"/>
+              <a:effectLst>
+                <a:outerShdw blurRad="38100" dist="19050" dir="2700000" algn="tl" rotWithShape="0">
+                  <a:schemeClr val="dk1">
+                    <a:alpha val="40000"/>
+                  </a:schemeClr>
+                </a:outerShdw>
+              </a:effectLst>
+            </a:endParaRPr>
           </a:p>
         </p:txBody>
       </p:sp>
       <p:grpSp>
         <p:nvGrpSpPr>
-          <p:cNvPr id="119" name="组合 118">
-            <a:extLst>
-              <a:ext uri="{FF2B5EF4-FFF2-40B4-BE49-F238E27FC236}">
-                <a16:creationId xmlns:a16="http://schemas.microsoft.com/office/drawing/2014/main" id="{CC29C557-D04F-456D-87E0-A1D2CD2FEB4F}"/>
-              </a:ext>
-            </a:extLst>
-          </p:cNvPr>
+          <p:cNvPr id="119" name="组合 118"/>
           <p:cNvGrpSpPr/>
           <p:nvPr/>
         </p:nvGrpSpPr>
         <p:grpSpPr>
           <a:xfrm>
-            <a:off x="7169056" y="2602868"/>
-            <a:ext cx="3552425" cy="1172264"/>
+            <a:off x="7098665" y="2602865"/>
+            <a:ext cx="3677285" cy="1172210"/>
             <a:chOff x="5325563" y="1802328"/>
             <a:chExt cx="2466750" cy="811388"/>
           </a:xfrm>
@@ -3708,13 +3730,13 @@
               </a:br>
               <a:r>
                 <a:rPr lang="en-US" altLang="zh-CN" b="1" dirty="0"/>
-                <a:t>Step 3: </a:t>
+                <a:t>Step 3:</a:t>
               </a:r>
               <a:r>
                 <a:rPr lang="en-US" altLang="zh-CN" b="1" dirty="0">
                   <a:sym typeface="+mn-ea"/>
                 </a:rPr>
-                <a:t> Fix bugs</a:t>
+                <a:t>Fix Bugs</a:t>
               </a:r>
               <a:endParaRPr lang="en-US" altLang="zh-CN" b="1" dirty="0"/>
             </a:p>
@@ -3819,20 +3841,14 @@
       </p:grpSp>
       <p:grpSp>
         <p:nvGrpSpPr>
-          <p:cNvPr id="113" name="组合 112">
-            <a:extLst>
-              <a:ext uri="{FF2B5EF4-FFF2-40B4-BE49-F238E27FC236}">
-                <a16:creationId xmlns:a16="http://schemas.microsoft.com/office/drawing/2014/main" id="{5570F92E-FFEC-4EE7-9D5C-97C0594A9059}"/>
-              </a:ext>
-            </a:extLst>
-          </p:cNvPr>
+          <p:cNvPr id="113" name="组合 112"/>
           <p:cNvGrpSpPr/>
           <p:nvPr/>
         </p:nvGrpSpPr>
         <p:grpSpPr>
           <a:xfrm>
-            <a:off x="8706443" y="4480360"/>
-            <a:ext cx="1675047" cy="1001907"/>
+            <a:off x="8950325" y="4488815"/>
+            <a:ext cx="1726565" cy="1002030"/>
             <a:chOff x="5753216" y="3214821"/>
             <a:chExt cx="1349318" cy="693475"/>
           </a:xfrm>
@@ -3911,7 +3927,7 @@
           </p:nvSpPr>
           <p:spPr>
             <a:xfrm>
-              <a:off x="6142707" y="3260461"/>
+              <a:off x="6089507" y="3260461"/>
               <a:ext cx="690337" cy="200549"/>
             </a:xfrm>
             <a:prstGeom prst="rect">
@@ -3955,28 +3971,32 @@
                 </a:rPr>
                 <a:t>AST</a:t>
               </a:r>
+              <a:endParaRPr lang="en-US" altLang="zh-CN" dirty="0">
+                <a:ln w="0"/>
+                <a:effectLst>
+                  <a:outerShdw blurRad="38100" dist="19050" dir="2700000" algn="tl" rotWithShape="0">
+                    <a:schemeClr val="dk1">
+                      <a:alpha val="40000"/>
+                    </a:schemeClr>
+                  </a:outerShdw>
+                </a:effectLst>
+              </a:endParaRPr>
             </a:p>
           </p:txBody>
         </p:sp>
       </p:grpSp>
       <p:grpSp>
         <p:nvGrpSpPr>
-          <p:cNvPr id="80" name="组合 79">
-            <a:extLst>
-              <a:ext uri="{FF2B5EF4-FFF2-40B4-BE49-F238E27FC236}">
-                <a16:creationId xmlns:a16="http://schemas.microsoft.com/office/drawing/2014/main" id="{4735AA4E-6027-4083-8379-D6186AE344A5}"/>
-              </a:ext>
-            </a:extLst>
-          </p:cNvPr>
+          <p:cNvPr id="80" name="组合 79"/>
           <p:cNvGrpSpPr/>
           <p:nvPr/>
         </p:nvGrpSpPr>
         <p:grpSpPr>
           <a:xfrm>
-            <a:off x="5106606" y="4541285"/>
-            <a:ext cx="2963876" cy="906348"/>
-            <a:chOff x="6053369" y="4363470"/>
-            <a:chExt cx="2206031" cy="465622"/>
+            <a:off x="6271260" y="4504690"/>
+            <a:ext cx="2346960" cy="963930"/>
+            <a:chOff x="5986768" y="4336388"/>
+            <a:chExt cx="2272632" cy="515219"/>
           </a:xfrm>
         </p:grpSpPr>
         <p:sp>
@@ -3987,8 +4007,8 @@
           </p:nvSpPr>
           <p:spPr>
             <a:xfrm>
-              <a:off x="6053369" y="4363470"/>
-              <a:ext cx="2206031" cy="465622"/>
+              <a:off x="5986768" y="4336388"/>
+              <a:ext cx="2272632" cy="515219"/>
             </a:xfrm>
             <a:prstGeom prst="flowChartAlternateProcess">
               <a:avLst/>
@@ -4024,12 +4044,6 @@
                   <a:sym typeface="+mn-ea"/>
                 </a:rPr>
               </a:br>
-              <a:endParaRPr lang="en-US" altLang="zh-CN" dirty="0">
-                <a:sym typeface="+mn-ea"/>
-              </a:endParaRPr>
-            </a:p>
-            <a:p>
-              <a:pPr algn="ctr"/>
               <a:r>
                 <a:rPr lang="en-US" altLang="zh-CN" dirty="0">
                   <a:sym typeface="+mn-ea"/>
@@ -4042,22 +4056,16 @@
         </p:sp>
         <p:grpSp>
           <p:nvGrpSpPr>
-            <p:cNvPr id="75" name="组合 74">
-              <a:extLst>
-                <a:ext uri="{FF2B5EF4-FFF2-40B4-BE49-F238E27FC236}">
-                  <a16:creationId xmlns:a16="http://schemas.microsoft.com/office/drawing/2014/main" id="{BB0CB93E-40A6-4D16-9D48-C742D2F808A9}"/>
-                </a:ext>
-              </a:extLst>
-            </p:cNvPr>
+            <p:cNvPr id="75" name="组合 74"/>
             <p:cNvGrpSpPr/>
             <p:nvPr/>
           </p:nvGrpSpPr>
           <p:grpSpPr>
             <a:xfrm>
-              <a:off x="6301692" y="4433817"/>
-              <a:ext cx="1737939" cy="178559"/>
-              <a:chOff x="6285995" y="4406519"/>
-              <a:chExt cx="1710990" cy="178519"/>
+              <a:off x="6301692" y="4360386"/>
+              <a:ext cx="1737939" cy="178507"/>
+              <a:chOff x="6285995" y="4333104"/>
+              <a:chExt cx="1710990" cy="178467"/>
             </a:xfrm>
           </p:grpSpPr>
           <p:sp>
@@ -4068,7 +4076,7 @@
             </p:nvSpPr>
             <p:spPr>
               <a:xfrm>
-                <a:off x="6285995" y="4406571"/>
+                <a:off x="6285995" y="4333104"/>
                 <a:ext cx="680642" cy="178467"/>
               </a:xfrm>
               <a:prstGeom prst="rect">
@@ -4112,6 +4120,16 @@
                   </a:rPr>
                   <a:t>JPF</a:t>
                 </a:r>
+                <a:endParaRPr lang="en-US" altLang="zh-CN" dirty="0">
+                  <a:ln w="0"/>
+                  <a:effectLst>
+                    <a:outerShdw blurRad="38100" dist="19050" dir="2700000" algn="tl" rotWithShape="0">
+                      <a:schemeClr val="dk1">
+                        <a:alpha val="40000"/>
+                      </a:schemeClr>
+                    </a:outerShdw>
+                  </a:effectLst>
+                </a:endParaRPr>
               </a:p>
             </p:txBody>
           </p:sp>
@@ -4123,7 +4141,7 @@
             </p:nvSpPr>
             <p:spPr>
               <a:xfrm>
-                <a:off x="7217305" y="4406519"/>
+                <a:off x="7217305" y="4337293"/>
                 <a:ext cx="779680" cy="172321"/>
               </a:xfrm>
               <a:prstGeom prst="rect">
@@ -4167,6 +4185,16 @@
                   </a:rPr>
                   <a:t>AST</a:t>
                 </a:r>
+                <a:endParaRPr lang="en-US" altLang="zh-CN" dirty="0">
+                  <a:ln w="0"/>
+                  <a:effectLst>
+                    <a:outerShdw blurRad="38100" dist="19050" dir="2700000" algn="tl" rotWithShape="0">
+                      <a:schemeClr val="dk1">
+                        <a:alpha val="40000"/>
+                      </a:schemeClr>
+                    </a:outerShdw>
+                  </a:effectLst>
+                </a:endParaRPr>
               </a:p>
             </p:txBody>
           </p:sp>
@@ -4174,23 +4202,20 @@
       </p:grpSp>
       <p:grpSp>
         <p:nvGrpSpPr>
-          <p:cNvPr id="64" name="组合 63">
-            <a:extLst>
-              <a:ext uri="{FF2B5EF4-FFF2-40B4-BE49-F238E27FC236}">
-                <a16:creationId xmlns:a16="http://schemas.microsoft.com/office/drawing/2014/main" id="{F9A68E32-1680-4E8A-AE8A-9475AEC86067}"/>
-              </a:ext>
-            </a:extLst>
-          </p:cNvPr>
+          <p:cNvPr id="64" name="组合 63"/>
           <p:cNvGrpSpPr/>
           <p:nvPr/>
         </p:nvGrpSpPr>
         <p:grpSpPr>
           <a:xfrm>
-            <a:off x="1847087" y="4541285"/>
-            <a:ext cx="2569902" cy="906374"/>
+            <a:off x="1470025" y="4353560"/>
+            <a:ext cx="3190240" cy="1591310"/>
             <a:chOff x="1482223" y="3429081"/>
             <a:chExt cx="1784501" cy="627351"/>
           </a:xfrm>
+          <a:solidFill>
+            <a:srgbClr val="E2F0D9"/>
+          </a:solidFill>
         </p:grpSpPr>
         <p:sp>
           <p:nvSpPr>
@@ -4206,12 +4231,12 @@
             <a:prstGeom prst="flowChartAlternateProcess">
               <a:avLst/>
             </a:prstGeom>
-            <a:solidFill>
-              <a:schemeClr val="accent4">
-                <a:lumMod val="20000"/>
-                <a:lumOff val="80000"/>
-              </a:schemeClr>
-            </a:solidFill>
+            <a:grpFill/>
+            <a:ln>
+              <a:solidFill>
+                <a:srgbClr val="5B9BD5"/>
+              </a:solidFill>
+            </a:ln>
           </p:spPr>
           <p:style>
             <a:lnRef idx="2">
@@ -4245,24 +4270,24 @@
             <a:p>
               <a:pPr algn="ctr"/>
               <a:r>
-                <a:rPr lang="en-US" altLang="zh-CN" dirty="0">
+                <a:rPr lang="en-US" altLang="zh-CN" b="1" dirty="0">
                   <a:sym typeface="+mn-ea"/>
                 </a:rPr>
-                <a:t>Patch verify</a:t>
+                <a:t>Step 5:Test</a:t>
               </a:r>
-              <a:endParaRPr lang="en-US" altLang="zh-CN" dirty="0"/>
+              <a:r>
+                <a:rPr lang="en-US" altLang="zh-CN" b="1" dirty="0">
+                  <a:sym typeface="+mn-ea"/>
+                </a:rPr>
+                <a:t> Fixed Program</a:t>
+              </a:r>
+              <a:endParaRPr lang="en-US" altLang="zh-CN" b="1" dirty="0"/>
             </a:p>
           </p:txBody>
         </p:sp>
         <p:grpSp>
           <p:nvGrpSpPr>
-            <p:cNvPr id="62" name="组合 61">
-              <a:extLst>
-                <a:ext uri="{FF2B5EF4-FFF2-40B4-BE49-F238E27FC236}">
-                  <a16:creationId xmlns:a16="http://schemas.microsoft.com/office/drawing/2014/main" id="{631ECB62-B09A-4B10-96FE-A6885E05FEA3}"/>
-                </a:ext>
-              </a:extLst>
-            </p:cNvPr>
+            <p:cNvPr id="62" name="组合 61"/>
             <p:cNvGrpSpPr/>
             <p:nvPr/>
           </p:nvGrpSpPr>
@@ -4273,6 +4298,7 @@
               <a:chOff x="1766208" y="4745028"/>
               <a:chExt cx="1447743" cy="219197"/>
             </a:xfrm>
+            <a:grpFill/>
           </p:grpSpPr>
           <p:sp>
             <p:nvSpPr>
@@ -4288,9 +4314,12 @@
               <a:prstGeom prst="rect">
                 <a:avLst/>
               </a:prstGeom>
+              <a:solidFill>
+                <a:schemeClr val="bg1"/>
+              </a:solidFill>
               <a:ln>
                 <a:solidFill>
-                  <a:schemeClr val="tx1"/>
+                  <a:srgbClr val="5B9BD5"/>
                 </a:solidFill>
               </a:ln>
             </p:spPr>
@@ -4326,6 +4355,16 @@
                   </a:rPr>
                   <a:t>JPF</a:t>
                 </a:r>
+                <a:endParaRPr lang="en-US" altLang="zh-CN" dirty="0">
+                  <a:ln w="0"/>
+                  <a:effectLst>
+                    <a:outerShdw blurRad="38100" dist="19050" dir="2700000" algn="tl" rotWithShape="0">
+                      <a:schemeClr val="dk1">
+                        <a:alpha val="40000"/>
+                      </a:schemeClr>
+                    </a:outerShdw>
+                  </a:effectLst>
+                </a:endParaRPr>
               </a:p>
             </p:txBody>
           </p:sp>
@@ -4343,9 +4382,12 @@
               <a:prstGeom prst="rect">
                 <a:avLst/>
               </a:prstGeom>
+              <a:solidFill>
+                <a:schemeClr val="bg1"/>
+              </a:solidFill>
               <a:ln>
                 <a:solidFill>
-                  <a:schemeClr val="tx1"/>
+                  <a:srgbClr val="5B9BD5"/>
                 </a:solidFill>
               </a:ln>
             </p:spPr>
@@ -4381,6 +4423,16 @@
                   </a:rPr>
                   <a:t>Unicorn</a:t>
                 </a:r>
+                <a:endParaRPr lang="en-US" altLang="zh-CN" dirty="0">
+                  <a:ln w="0"/>
+                  <a:effectLst>
+                    <a:outerShdw blurRad="38100" dist="19050" dir="2700000" algn="tl" rotWithShape="0">
+                      <a:schemeClr val="dk1">
+                        <a:alpha val="40000"/>
+                      </a:schemeClr>
+                    </a:outerShdw>
+                  </a:effectLst>
+                </a:endParaRPr>
               </a:p>
             </p:txBody>
           </p:sp>
@@ -4389,15 +4441,12 @@
       <p:cxnSp>
         <p:nvCxnSpPr>
           <p:cNvPr id="31" name="直接箭头连接符 30"/>
-          <p:cNvCxnSpPr>
-            <a:cxnSpLocks/>
-            <a:endCxn id="73" idx="1"/>
-          </p:cNvCxnSpPr>
+          <p:cNvCxnSpPr/>
           <p:nvPr/>
         </p:nvCxnSpPr>
         <p:spPr>
           <a:xfrm>
-            <a:off x="5741084" y="1420162"/>
+            <a:off x="5757594" y="1420162"/>
             <a:ext cx="1341105" cy="0"/>
           </a:xfrm>
           <a:prstGeom prst="straightConnector1">
@@ -4430,15 +4479,51 @@
         <p:nvCxnSpPr>
           <p:cNvPr id="32" name="直接箭头连接符 31"/>
           <p:cNvCxnSpPr>
-            <a:cxnSpLocks/>
             <a:stCxn id="83" idx="2"/>
           </p:cNvCxnSpPr>
           <p:nvPr/>
         </p:nvCxnSpPr>
         <p:spPr>
           <a:xfrm>
-            <a:off x="8945269" y="3775132"/>
+            <a:off x="8937649" y="3775132"/>
             <a:ext cx="0" cy="567655"/>
+          </a:xfrm>
+          <a:prstGeom prst="straightConnector1">
+            <a:avLst/>
+          </a:prstGeom>
+          <a:ln w="38100" cmpd="sng">
+            <a:solidFill>
+              <a:schemeClr val="tx1"/>
+            </a:solidFill>
+            <a:prstDash val="solid"/>
+            <a:tailEnd type="arrow"/>
+          </a:ln>
+        </p:spPr>
+        <p:style>
+          <a:lnRef idx="1">
+            <a:schemeClr val="accent1"/>
+          </a:lnRef>
+          <a:fillRef idx="0">
+            <a:schemeClr val="accent1"/>
+          </a:fillRef>
+          <a:effectRef idx="0">
+            <a:schemeClr val="accent1"/>
+          </a:effectRef>
+          <a:fontRef idx="minor">
+            <a:schemeClr val="tx1"/>
+          </a:fontRef>
+        </p:style>
+      </p:cxnSp>
+      <p:cxnSp>
+        <p:nvCxnSpPr>
+          <p:cNvPr id="18" name="直接箭头连接符 17"/>
+          <p:cNvCxnSpPr/>
+          <p:nvPr/>
+        </p:nvCxnSpPr>
+        <p:spPr>
+          <a:xfrm flipH="1">
+            <a:off x="4652010" y="5113020"/>
+            <a:ext cx="1440011" cy="3175"/>
           </a:xfrm>
           <a:prstGeom prst="straightConnector1">
             <a:avLst/>
@@ -4725,8 +4810,6 @@
       </a:bgFillStyleLst>
     </a:fmtScheme>
   </a:themeElements>
-  <a:objectDefaults/>
-  <a:extraClrSchemeLst/>
   <a:extLst>
     <a:ext uri="{05A4C25C-085E-4340-85A3-A5531E510DB2}">
       <thm15:themeFamily xmlns:thm15="http://schemas.microsoft.com/office/thememl/2012/main" name="Office Theme" id="{62F939B6-93AF-4DB8-9C6B-D6C7DFDC589F}" vid="{4A3C46E8-61CC-4603-A589-7422A47A8E4A}"/>

--- a/picture/画图.pptx
+++ b/picture/画图.pptx
@@ -3003,7 +3003,7 @@
             <a:pPr algn="ctr"/>
             <a:r>
               <a:rPr lang="en-US" altLang="zh-CN" b="1" dirty="0"/>
-              <a:t>Step 1:Identify Memory Access Pattern</a:t>
+              <a:t>Step 1: Identify Memory Access Pattern</a:t>
             </a:r>
             <a:endParaRPr lang="en-US" altLang="zh-CN" b="1" dirty="0"/>
           </a:p>
@@ -3335,7 +3335,7 @@
             </a:br>
             <a:r>
               <a:rPr lang="en-US" altLang="zh-CN" b="1" dirty="0"/>
-              <a:t>Step 2:</a:t>
+              <a:t>Step 2: </a:t>
             </a:r>
             <a:r>
               <a:rPr lang="en-US" altLang="zh-CN" b="1" dirty="0">
@@ -3411,7 +3411,7 @@
             <a:pPr algn="ctr"/>
             <a:r>
               <a:rPr lang="en-US" altLang="zh-CN" b="1" dirty="0"/>
-              <a:t>Step 4:Fix the Fixed Program</a:t>
+              <a:t>Step 4: Fix the Fixed Program</a:t>
             </a:r>
             <a:endParaRPr lang="en-US" altLang="zh-CN" b="1" dirty="0"/>
           </a:p>
@@ -3730,7 +3730,7 @@
               </a:br>
               <a:r>
                 <a:rPr lang="en-US" altLang="zh-CN" b="1" dirty="0"/>
-                <a:t>Step 3:</a:t>
+                <a:t>Step 3: </a:t>
               </a:r>
               <a:r>
                 <a:rPr lang="en-US" altLang="zh-CN" b="1" dirty="0">
@@ -4273,13 +4273,7 @@
                 <a:rPr lang="en-US" altLang="zh-CN" b="1" dirty="0">
                   <a:sym typeface="+mn-ea"/>
                 </a:rPr>
-                <a:t>Step 5:Test</a:t>
-              </a:r>
-              <a:r>
-                <a:rPr lang="en-US" altLang="zh-CN" b="1" dirty="0">
-                  <a:sym typeface="+mn-ea"/>
-                </a:rPr>
-                <a:t> Fixed Program</a:t>
+                <a:t>Step 5: Test Fixed Program</a:t>
               </a:r>
               <a:endParaRPr lang="en-US" altLang="zh-CN" b="1" dirty="0"/>
             </a:p>

--- a/picture/画图.pptx
+++ b/picture/画图.pptx
@@ -6,6 +6,7 @@
   </p:sldMasterIdLst>
   <p:sldIdLst>
     <p:sldId id="259" r:id="rId3"/>
+    <p:sldId id="260" r:id="rId4"/>
   </p:sldIdLst>
   <p:sldSz cx="12192000" cy="6858000"/>
   <p:notesSz cx="6858000" cy="9144000"/>
@@ -2905,6 +2906,1655 @@
 </file>
 
 <file path=ppt/slides/slide1.xml><?xml version="1.0" encoding="utf-8"?>
+<p:sld xmlns:a="http://schemas.openxmlformats.org/drawingml/2006/main" xmlns:r="http://schemas.openxmlformats.org/officeDocument/2006/relationships" xmlns:p="http://schemas.openxmlformats.org/presentationml/2006/main">
+  <p:cSld>
+    <p:bg>
+      <p:bgPr>
+        <a:solidFill>
+          <a:schemeClr val="bg1"/>
+        </a:solidFill>
+        <a:effectLst/>
+      </p:bgPr>
+    </p:bg>
+    <p:spTree>
+      <p:nvGrpSpPr>
+        <p:cNvPr id="1" name=""/>
+        <p:cNvGrpSpPr/>
+        <p:nvPr/>
+      </p:nvGrpSpPr>
+      <p:grpSpPr>
+        <a:xfrm>
+          <a:off x="0" y="0"/>
+          <a:ext cx="0" cy="0"/>
+          <a:chOff x="0" y="0"/>
+          <a:chExt cx="0" cy="0"/>
+        </a:xfrm>
+      </p:grpSpPr>
+      <p:sp>
+        <p:nvSpPr>
+          <p:cNvPr id="45" name="流程图: 可选过程 44"/>
+          <p:cNvSpPr/>
+          <p:nvPr/>
+        </p:nvSpPr>
+        <p:spPr>
+          <a:xfrm>
+            <a:off x="1470519" y="808769"/>
+            <a:ext cx="4240023" cy="2993995"/>
+          </a:xfrm>
+          <a:prstGeom prst="flowChartAlternateProcess">
+            <a:avLst/>
+          </a:prstGeom>
+          <a:solidFill>
+            <a:schemeClr val="accent6">
+              <a:lumMod val="20000"/>
+              <a:lumOff val="80000"/>
+            </a:schemeClr>
+          </a:solidFill>
+          <a:ln>
+            <a:solidFill>
+              <a:schemeClr val="accent1"/>
+            </a:solidFill>
+            <a:prstDash val="solid"/>
+          </a:ln>
+        </p:spPr>
+        <p:style>
+          <a:lnRef idx="2">
+            <a:schemeClr val="accent6"/>
+          </a:lnRef>
+          <a:fillRef idx="1">
+            <a:schemeClr val="lt1"/>
+          </a:fillRef>
+          <a:effectRef idx="0">
+            <a:schemeClr val="accent6"/>
+          </a:effectRef>
+          <a:fontRef idx="minor">
+            <a:schemeClr val="dk1"/>
+          </a:fontRef>
+        </p:style>
+        <p:txBody>
+          <a:bodyPr rtlCol="0" anchor="ctr"/>
+          <a:lstStyle/>
+          <a:p>
+            <a:pPr algn="ctr"/>
+            <a:br>
+              <a:rPr lang="en-US" altLang="zh-CN" b="1" dirty="0"/>
+            </a:br>
+            <a:br>
+              <a:rPr lang="en-US" altLang="zh-CN" b="1" dirty="0"/>
+            </a:br>
+            <a:br>
+              <a:rPr lang="en-US" altLang="zh-CN" b="1" dirty="0"/>
+            </a:br>
+            <a:br>
+              <a:rPr lang="en-US" altLang="zh-CN" b="1" dirty="0"/>
+            </a:br>
+            <a:br>
+              <a:rPr lang="en-US" altLang="zh-CN" b="1" dirty="0"/>
+            </a:br>
+            <a:br>
+              <a:rPr lang="en-US" altLang="zh-CN" b="1" dirty="0"/>
+            </a:br>
+            <a:endParaRPr lang="en-US" altLang="zh-CN" b="1" dirty="0"/>
+          </a:p>
+          <a:p>
+            <a:pPr algn="ctr"/>
+            <a:endParaRPr lang="en-US" altLang="zh-CN" b="1" dirty="0"/>
+          </a:p>
+          <a:p>
+            <a:pPr algn="ctr"/>
+            <a:r>
+              <a:rPr lang="en-US" altLang="zh-CN" b="1" dirty="0"/>
+              <a:t>Step 1: Identify Memory Access Pattern</a:t>
+            </a:r>
+            <a:endParaRPr lang="en-US" altLang="zh-CN" b="1" dirty="0"/>
+          </a:p>
+        </p:txBody>
+      </p:sp>
+      <p:sp>
+        <p:nvSpPr>
+          <p:cNvPr id="46" name="流程图: 可选过程 45"/>
+          <p:cNvSpPr/>
+          <p:nvPr/>
+        </p:nvSpPr>
+        <p:spPr>
+          <a:xfrm>
+            <a:off x="2345557" y="1062034"/>
+            <a:ext cx="2477275" cy="536696"/>
+          </a:xfrm>
+          <a:prstGeom prst="flowChartAlternateProcess">
+            <a:avLst/>
+          </a:prstGeom>
+          <a:solidFill>
+            <a:schemeClr val="accent4">
+              <a:lumMod val="20000"/>
+              <a:lumOff val="80000"/>
+            </a:schemeClr>
+          </a:solidFill>
+        </p:spPr>
+        <p:style>
+          <a:lnRef idx="2">
+            <a:schemeClr val="accent6"/>
+          </a:lnRef>
+          <a:fillRef idx="1">
+            <a:schemeClr val="lt1"/>
+          </a:fillRef>
+          <a:effectRef idx="0">
+            <a:schemeClr val="accent6"/>
+          </a:effectRef>
+          <a:fontRef idx="minor">
+            <a:schemeClr val="dk1"/>
+          </a:fontRef>
+        </p:style>
+        <p:txBody>
+          <a:bodyPr rtlCol="0" anchor="ctr"/>
+          <a:lstStyle/>
+          <a:p>
+            <a:pPr algn="ctr"/>
+            <a:r>
+              <a:rPr lang="en-US" altLang="zh-CN" dirty="0"/>
+              <a:t>Identify Pattern</a:t>
+            </a:r>
+            <a:endParaRPr lang="zh-CN" altLang="en-US" dirty="0"/>
+          </a:p>
+        </p:txBody>
+      </p:sp>
+      <p:sp>
+        <p:nvSpPr>
+          <p:cNvPr id="48" name="流程图: 可选过程 47"/>
+          <p:cNvSpPr/>
+          <p:nvPr/>
+        </p:nvSpPr>
+        <p:spPr>
+          <a:xfrm>
+            <a:off x="1992213" y="2018121"/>
+            <a:ext cx="3188657" cy="944053"/>
+          </a:xfrm>
+          <a:prstGeom prst="flowChartAlternateProcess">
+            <a:avLst/>
+          </a:prstGeom>
+          <a:solidFill>
+            <a:schemeClr val="accent4">
+              <a:lumMod val="20000"/>
+              <a:lumOff val="80000"/>
+            </a:schemeClr>
+          </a:solidFill>
+        </p:spPr>
+        <p:style>
+          <a:lnRef idx="2">
+            <a:schemeClr val="accent6"/>
+          </a:lnRef>
+          <a:fillRef idx="1">
+            <a:schemeClr val="lt1"/>
+          </a:fillRef>
+          <a:effectRef idx="0">
+            <a:schemeClr val="accent6"/>
+          </a:effectRef>
+          <a:fontRef idx="minor">
+            <a:schemeClr val="dk1"/>
+          </a:fontRef>
+        </p:style>
+        <p:txBody>
+          <a:bodyPr rtlCol="0" anchor="ctr"/>
+          <a:lstStyle/>
+          <a:p>
+            <a:pPr algn="ctr"/>
+            <a:br>
+              <a:rPr lang="en-US" altLang="zh-CN" dirty="0"/>
+            </a:br>
+            <a:br>
+              <a:rPr lang="en-US" altLang="zh-CN" dirty="0"/>
+            </a:br>
+            <a:r>
+              <a:rPr lang="en-US" altLang="zh-CN" dirty="0"/>
+              <a:t>Obtain pattern list</a:t>
+            </a:r>
+            <a:endParaRPr lang="en-US" altLang="zh-CN" dirty="0"/>
+          </a:p>
+        </p:txBody>
+      </p:sp>
+      <p:sp>
+        <p:nvSpPr>
+          <p:cNvPr id="49" name="矩形 48"/>
+          <p:cNvSpPr/>
+          <p:nvPr/>
+        </p:nvSpPr>
+        <p:spPr>
+          <a:xfrm>
+            <a:off x="2550116" y="2115949"/>
+            <a:ext cx="728598" cy="374198"/>
+          </a:xfrm>
+          <a:prstGeom prst="rect">
+            <a:avLst/>
+          </a:prstGeom>
+          <a:ln>
+            <a:solidFill>
+              <a:schemeClr val="tx1"/>
+            </a:solidFill>
+          </a:ln>
+        </p:spPr>
+        <p:style>
+          <a:lnRef idx="2">
+            <a:schemeClr val="accent6"/>
+          </a:lnRef>
+          <a:fillRef idx="1">
+            <a:schemeClr val="lt1"/>
+          </a:fillRef>
+          <a:effectRef idx="0">
+            <a:schemeClr val="accent6"/>
+          </a:effectRef>
+          <a:fontRef idx="minor">
+            <a:schemeClr val="dk1"/>
+          </a:fontRef>
+        </p:style>
+        <p:txBody>
+          <a:bodyPr rtlCol="0" anchor="ctr"/>
+          <a:lstStyle/>
+          <a:p>
+            <a:pPr algn="ctr"/>
+            <a:r>
+              <a:rPr lang="en-US" altLang="zh-CN" dirty="0">
+                <a:ln w="0"/>
+                <a:effectLst>
+                  <a:outerShdw blurRad="38100" dist="19050" dir="2700000" algn="tl" rotWithShape="0">
+                    <a:schemeClr val="dk1">
+                      <a:alpha val="40000"/>
+                    </a:schemeClr>
+                  </a:outerShdw>
+                </a:effectLst>
+              </a:rPr>
+              <a:t>JPF</a:t>
+            </a:r>
+            <a:endParaRPr lang="en-US" altLang="zh-CN" dirty="0">
+              <a:ln w="0"/>
+              <a:effectLst>
+                <a:outerShdw blurRad="38100" dist="19050" dir="2700000" algn="tl" rotWithShape="0">
+                  <a:schemeClr val="dk1">
+                    <a:alpha val="40000"/>
+                  </a:schemeClr>
+                </a:outerShdw>
+              </a:effectLst>
+            </a:endParaRPr>
+          </a:p>
+        </p:txBody>
+      </p:sp>
+      <p:sp>
+        <p:nvSpPr>
+          <p:cNvPr id="51" name="矩形 50"/>
+          <p:cNvSpPr/>
+          <p:nvPr/>
+        </p:nvSpPr>
+        <p:spPr>
+          <a:xfrm>
+            <a:off x="3543261" y="2093972"/>
+            <a:ext cx="1117262" cy="387210"/>
+          </a:xfrm>
+          <a:prstGeom prst="rect">
+            <a:avLst/>
+          </a:prstGeom>
+          <a:ln>
+            <a:solidFill>
+              <a:schemeClr val="tx1"/>
+            </a:solidFill>
+          </a:ln>
+        </p:spPr>
+        <p:style>
+          <a:lnRef idx="2">
+            <a:schemeClr val="accent6"/>
+          </a:lnRef>
+          <a:fillRef idx="1">
+            <a:schemeClr val="lt1"/>
+          </a:fillRef>
+          <a:effectRef idx="0">
+            <a:schemeClr val="accent6"/>
+          </a:effectRef>
+          <a:fontRef idx="minor">
+            <a:schemeClr val="dk1"/>
+          </a:fontRef>
+        </p:style>
+        <p:txBody>
+          <a:bodyPr rtlCol="0" anchor="ctr"/>
+          <a:lstStyle/>
+          <a:p>
+            <a:pPr algn="ctr"/>
+            <a:r>
+              <a:rPr lang="en-US" altLang="zh-CN" dirty="0">
+                <a:ln w="0"/>
+                <a:effectLst>
+                  <a:outerShdw blurRad="38100" dist="19050" dir="2700000" algn="tl" rotWithShape="0">
+                    <a:schemeClr val="dk1">
+                      <a:alpha val="40000"/>
+                    </a:schemeClr>
+                  </a:outerShdw>
+                </a:effectLst>
+              </a:rPr>
+              <a:t>Unicorn</a:t>
+            </a:r>
+            <a:endParaRPr lang="en-US" altLang="zh-CN" dirty="0">
+              <a:ln w="0"/>
+              <a:effectLst>
+                <a:outerShdw blurRad="38100" dist="19050" dir="2700000" algn="tl" rotWithShape="0">
+                  <a:schemeClr val="dk1">
+                    <a:alpha val="40000"/>
+                  </a:schemeClr>
+                </a:outerShdw>
+              </a:effectLst>
+            </a:endParaRPr>
+          </a:p>
+        </p:txBody>
+      </p:sp>
+      <p:cxnSp>
+        <p:nvCxnSpPr>
+          <p:cNvPr id="69" name="直接箭头连接符 68"/>
+          <p:cNvCxnSpPr>
+            <a:stCxn id="48" idx="0"/>
+            <a:endCxn id="46" idx="2"/>
+          </p:cNvCxnSpPr>
+          <p:nvPr/>
+        </p:nvCxnSpPr>
+        <p:spPr>
+          <a:xfrm flipH="1" flipV="1">
+            <a:off x="3584196" y="1598731"/>
+            <a:ext cx="2346" cy="419390"/>
+          </a:xfrm>
+          <a:prstGeom prst="straightConnector1">
+            <a:avLst/>
+          </a:prstGeom>
+          <a:ln w="19050" cmpd="sng">
+            <a:solidFill>
+              <a:schemeClr val="tx1"/>
+            </a:solidFill>
+            <a:prstDash val="solid"/>
+            <a:tailEnd type="arrow"/>
+          </a:ln>
+        </p:spPr>
+        <p:style>
+          <a:lnRef idx="1">
+            <a:schemeClr val="accent1"/>
+          </a:lnRef>
+          <a:fillRef idx="0">
+            <a:schemeClr val="accent1"/>
+          </a:fillRef>
+          <a:effectRef idx="0">
+            <a:schemeClr val="accent1"/>
+          </a:effectRef>
+          <a:fontRef idx="minor">
+            <a:schemeClr val="tx1"/>
+          </a:fontRef>
+        </p:style>
+      </p:cxnSp>
+      <p:sp>
+        <p:nvSpPr>
+          <p:cNvPr id="73" name="流程图: 可选过程 72"/>
+          <p:cNvSpPr/>
+          <p:nvPr/>
+        </p:nvSpPr>
+        <p:spPr>
+          <a:xfrm>
+            <a:off x="7098699" y="815991"/>
+            <a:ext cx="3677221" cy="1208341"/>
+          </a:xfrm>
+          <a:prstGeom prst="flowChartAlternateProcess">
+            <a:avLst/>
+          </a:prstGeom>
+          <a:solidFill>
+            <a:schemeClr val="accent6">
+              <a:lumMod val="20000"/>
+              <a:lumOff val="80000"/>
+            </a:schemeClr>
+          </a:solidFill>
+          <a:ln w="3175">
+            <a:solidFill>
+              <a:schemeClr val="accent1"/>
+            </a:solidFill>
+            <a:prstDash val="solid"/>
+          </a:ln>
+        </p:spPr>
+        <p:style>
+          <a:lnRef idx="2">
+            <a:schemeClr val="accent6"/>
+          </a:lnRef>
+          <a:fillRef idx="1">
+            <a:schemeClr val="lt1"/>
+          </a:fillRef>
+          <a:effectRef idx="0">
+            <a:schemeClr val="accent6"/>
+          </a:effectRef>
+          <a:fontRef idx="minor">
+            <a:schemeClr val="dk1"/>
+          </a:fontRef>
+        </p:style>
+        <p:txBody>
+          <a:bodyPr rtlCol="0" anchor="ctr"/>
+          <a:lstStyle/>
+          <a:p>
+            <a:pPr algn="ctr"/>
+            <a:br>
+              <a:rPr lang="en-US" altLang="zh-CN" b="1" dirty="0"/>
+            </a:br>
+            <a:br>
+              <a:rPr lang="en-US" altLang="zh-CN" b="1" dirty="0"/>
+            </a:br>
+            <a:r>
+              <a:rPr lang="en-US" altLang="zh-CN" b="1" dirty="0"/>
+              <a:t>Step 2: </a:t>
+            </a:r>
+            <a:r>
+              <a:rPr lang="en-US" altLang="zh-CN" b="1" dirty="0">
+                <a:sym typeface="+mn-ea"/>
+              </a:rPr>
+              <a:t>Identify Locking Policy</a:t>
+            </a:r>
+            <a:endParaRPr lang="en-US" altLang="zh-CN" b="1" dirty="0"/>
+          </a:p>
+        </p:txBody>
+      </p:sp>
+      <p:sp>
+        <p:nvSpPr>
+          <p:cNvPr id="144" name="流程图: 可选过程 143"/>
+          <p:cNvSpPr/>
+          <p:nvPr/>
+        </p:nvSpPr>
+        <p:spPr>
+          <a:xfrm>
+            <a:off x="6144895" y="4353560"/>
+            <a:ext cx="4631055" cy="1591310"/>
+          </a:xfrm>
+          <a:prstGeom prst="flowChartAlternateProcess">
+            <a:avLst/>
+          </a:prstGeom>
+          <a:solidFill>
+            <a:schemeClr val="accent6">
+              <a:lumMod val="20000"/>
+              <a:lumOff val="80000"/>
+            </a:schemeClr>
+          </a:solidFill>
+          <a:ln>
+            <a:solidFill>
+              <a:schemeClr val="accent1"/>
+            </a:solidFill>
+            <a:prstDash val="solid"/>
+          </a:ln>
+        </p:spPr>
+        <p:style>
+          <a:lnRef idx="2">
+            <a:schemeClr val="accent6"/>
+          </a:lnRef>
+          <a:fillRef idx="1">
+            <a:schemeClr val="lt1"/>
+          </a:fillRef>
+          <a:effectRef idx="0">
+            <a:schemeClr val="accent6"/>
+          </a:effectRef>
+          <a:fontRef idx="minor">
+            <a:schemeClr val="dk1"/>
+          </a:fontRef>
+        </p:style>
+        <p:txBody>
+          <a:bodyPr rtlCol="0" anchor="ctr"/>
+          <a:lstStyle/>
+          <a:p>
+            <a:pPr algn="ctr"/>
+            <a:endParaRPr lang="en-US" altLang="zh-CN" b="1" dirty="0"/>
+          </a:p>
+          <a:p>
+            <a:pPr algn="ctr"/>
+            <a:endParaRPr lang="en-US" altLang="zh-CN" b="1" dirty="0"/>
+          </a:p>
+          <a:p>
+            <a:pPr algn="ctr"/>
+            <a:endParaRPr lang="en-US" altLang="zh-CN" b="1" dirty="0"/>
+          </a:p>
+          <a:p>
+            <a:pPr algn="ctr"/>
+            <a:endParaRPr lang="en-US" altLang="zh-CN" b="1" dirty="0"/>
+          </a:p>
+          <a:p>
+            <a:pPr algn="ctr"/>
+            <a:r>
+              <a:rPr lang="en-US" altLang="zh-CN" b="1" dirty="0"/>
+              <a:t>Step 4: Fix the Fixed Program</a:t>
+            </a:r>
+            <a:endParaRPr lang="en-US" altLang="zh-CN" b="1" dirty="0"/>
+          </a:p>
+        </p:txBody>
+      </p:sp>
+      <p:cxnSp>
+        <p:nvCxnSpPr>
+          <p:cNvPr id="166" name="直接箭头连接符 165"/>
+          <p:cNvCxnSpPr/>
+          <p:nvPr/>
+        </p:nvCxnSpPr>
+        <p:spPr>
+          <a:xfrm>
+            <a:off x="8936990" y="2024380"/>
+            <a:ext cx="7620" cy="578485"/>
+          </a:xfrm>
+          <a:prstGeom prst="straightConnector1">
+            <a:avLst/>
+          </a:prstGeom>
+          <a:ln w="38100" cmpd="sng">
+            <a:solidFill>
+              <a:schemeClr val="tx1"/>
+            </a:solidFill>
+            <a:prstDash val="solid"/>
+            <a:tailEnd type="arrow"/>
+          </a:ln>
+        </p:spPr>
+        <p:style>
+          <a:lnRef idx="1">
+            <a:schemeClr val="accent1"/>
+          </a:lnRef>
+          <a:fillRef idx="0">
+            <a:schemeClr val="accent1"/>
+          </a:fillRef>
+          <a:effectRef idx="0">
+            <a:schemeClr val="accent1"/>
+          </a:effectRef>
+          <a:fontRef idx="minor">
+            <a:schemeClr val="tx1"/>
+          </a:fontRef>
+        </p:style>
+      </p:cxnSp>
+      <p:cxnSp>
+        <p:nvCxnSpPr>
+          <p:cNvPr id="171" name="直接箭头连接符 170"/>
+          <p:cNvCxnSpPr/>
+          <p:nvPr/>
+        </p:nvCxnSpPr>
+        <p:spPr>
+          <a:xfrm>
+            <a:off x="3132455" y="3803015"/>
+            <a:ext cx="0" cy="748665"/>
+          </a:xfrm>
+          <a:prstGeom prst="straightConnector1">
+            <a:avLst/>
+          </a:prstGeom>
+          <a:ln w="38100" cmpd="sng">
+            <a:solidFill>
+              <a:schemeClr val="tx1"/>
+            </a:solidFill>
+            <a:prstDash val="solid"/>
+            <a:headEnd type="arrow"/>
+            <a:tailEnd type="none"/>
+          </a:ln>
+        </p:spPr>
+        <p:style>
+          <a:lnRef idx="1">
+            <a:schemeClr val="accent1"/>
+          </a:lnRef>
+          <a:fillRef idx="0">
+            <a:schemeClr val="accent1"/>
+          </a:fillRef>
+          <a:effectRef idx="0">
+            <a:schemeClr val="accent1"/>
+          </a:effectRef>
+          <a:fontRef idx="minor">
+            <a:schemeClr val="tx1"/>
+          </a:fontRef>
+        </p:style>
+      </p:cxnSp>
+      <p:cxnSp>
+        <p:nvCxnSpPr>
+          <p:cNvPr id="172" name="直接箭头连接符 171"/>
+          <p:cNvCxnSpPr>
+            <a:stCxn id="145" idx="3"/>
+            <a:endCxn id="152" idx="1"/>
+          </p:cNvCxnSpPr>
+          <p:nvPr/>
+        </p:nvCxnSpPr>
+        <p:spPr>
+          <a:xfrm>
+            <a:off x="8618220" y="4986655"/>
+            <a:ext cx="332105" cy="3175"/>
+          </a:xfrm>
+          <a:prstGeom prst="straightConnector1">
+            <a:avLst/>
+          </a:prstGeom>
+          <a:ln w="19050" cmpd="sng">
+            <a:solidFill>
+              <a:schemeClr val="tx1"/>
+            </a:solidFill>
+            <a:prstDash val="solid"/>
+            <a:tailEnd type="arrow"/>
+          </a:ln>
+        </p:spPr>
+        <p:style>
+          <a:lnRef idx="1">
+            <a:schemeClr val="accent1"/>
+          </a:lnRef>
+          <a:fillRef idx="0">
+            <a:schemeClr val="accent1"/>
+          </a:fillRef>
+          <a:effectRef idx="0">
+            <a:schemeClr val="accent1"/>
+          </a:effectRef>
+          <a:fontRef idx="minor">
+            <a:schemeClr val="tx1"/>
+          </a:fontRef>
+        </p:style>
+      </p:cxnSp>
+      <p:sp>
+        <p:nvSpPr>
+          <p:cNvPr id="9" name="矩形 8"/>
+          <p:cNvSpPr/>
+          <p:nvPr/>
+        </p:nvSpPr>
+        <p:spPr>
+          <a:xfrm>
+            <a:off x="7775197" y="982701"/>
+            <a:ext cx="1006528" cy="339310"/>
+          </a:xfrm>
+          <a:prstGeom prst="rect">
+            <a:avLst/>
+          </a:prstGeom>
+          <a:ln>
+            <a:solidFill>
+              <a:schemeClr val="tx1"/>
+            </a:solidFill>
+          </a:ln>
+        </p:spPr>
+        <p:style>
+          <a:lnRef idx="2">
+            <a:schemeClr val="accent6"/>
+          </a:lnRef>
+          <a:fillRef idx="1">
+            <a:schemeClr val="lt1"/>
+          </a:fillRef>
+          <a:effectRef idx="0">
+            <a:schemeClr val="accent6"/>
+          </a:effectRef>
+          <a:fontRef idx="minor">
+            <a:schemeClr val="dk1"/>
+          </a:fontRef>
+        </p:style>
+        <p:txBody>
+          <a:bodyPr rtlCol="0" anchor="ctr"/>
+          <a:lstStyle/>
+          <a:p>
+            <a:pPr algn="ctr"/>
+            <a:r>
+              <a:rPr lang="en-US" altLang="zh-CN" dirty="0">
+                <a:ln w="0"/>
+                <a:effectLst>
+                  <a:outerShdw blurRad="38100" dist="19050" dir="2700000" algn="tl" rotWithShape="0">
+                    <a:schemeClr val="dk1">
+                      <a:alpha val="40000"/>
+                    </a:schemeClr>
+                  </a:outerShdw>
+                </a:effectLst>
+              </a:rPr>
+              <a:t>JPF</a:t>
+            </a:r>
+            <a:endParaRPr lang="en-US" altLang="zh-CN" dirty="0">
+              <a:ln w="0"/>
+              <a:effectLst>
+                <a:outerShdw blurRad="38100" dist="19050" dir="2700000" algn="tl" rotWithShape="0">
+                  <a:schemeClr val="dk1">
+                    <a:alpha val="40000"/>
+                  </a:schemeClr>
+                </a:outerShdw>
+              </a:effectLst>
+            </a:endParaRPr>
+          </a:p>
+        </p:txBody>
+      </p:sp>
+      <p:sp>
+        <p:nvSpPr>
+          <p:cNvPr id="13" name="矩形 12"/>
+          <p:cNvSpPr/>
+          <p:nvPr/>
+        </p:nvSpPr>
+        <p:spPr>
+          <a:xfrm>
+            <a:off x="9115388" y="986788"/>
+            <a:ext cx="1174551" cy="339310"/>
+          </a:xfrm>
+          <a:prstGeom prst="rect">
+            <a:avLst/>
+          </a:prstGeom>
+          <a:ln>
+            <a:solidFill>
+              <a:schemeClr val="tx1"/>
+            </a:solidFill>
+          </a:ln>
+        </p:spPr>
+        <p:style>
+          <a:lnRef idx="2">
+            <a:schemeClr val="accent6"/>
+          </a:lnRef>
+          <a:fillRef idx="1">
+            <a:schemeClr val="lt1"/>
+          </a:fillRef>
+          <a:effectRef idx="0">
+            <a:schemeClr val="accent6"/>
+          </a:effectRef>
+          <a:fontRef idx="minor">
+            <a:schemeClr val="dk1"/>
+          </a:fontRef>
+        </p:style>
+        <p:txBody>
+          <a:bodyPr rtlCol="0" anchor="ctr"/>
+          <a:lstStyle/>
+          <a:p>
+            <a:pPr algn="ctr"/>
+            <a:r>
+              <a:rPr lang="en-US" altLang="zh-CN" dirty="0">
+                <a:ln w="0"/>
+                <a:effectLst>
+                  <a:outerShdw blurRad="38100" dist="19050" dir="2700000" algn="tl" rotWithShape="0">
+                    <a:schemeClr val="dk1">
+                      <a:alpha val="40000"/>
+                    </a:schemeClr>
+                  </a:outerShdw>
+                </a:effectLst>
+              </a:rPr>
+              <a:t>Unicorn</a:t>
+            </a:r>
+            <a:endParaRPr lang="en-US" altLang="zh-CN" dirty="0">
+              <a:ln w="0"/>
+              <a:effectLst>
+                <a:outerShdw blurRad="38100" dist="19050" dir="2700000" algn="tl" rotWithShape="0">
+                  <a:schemeClr val="dk1">
+                    <a:alpha val="40000"/>
+                  </a:schemeClr>
+                </a:outerShdw>
+              </a:effectLst>
+            </a:endParaRPr>
+          </a:p>
+        </p:txBody>
+      </p:sp>
+      <p:grpSp>
+        <p:nvGrpSpPr>
+          <p:cNvPr id="119" name="组合 118"/>
+          <p:cNvGrpSpPr/>
+          <p:nvPr/>
+        </p:nvGrpSpPr>
+        <p:grpSpPr>
+          <a:xfrm>
+            <a:off x="7098665" y="2602865"/>
+            <a:ext cx="3677285" cy="1172210"/>
+            <a:chOff x="5325563" y="1802328"/>
+            <a:chExt cx="2466750" cy="811388"/>
+          </a:xfrm>
+        </p:grpSpPr>
+        <p:sp>
+          <p:nvSpPr>
+            <p:cNvPr id="83" name="流程图: 可选过程 82"/>
+            <p:cNvSpPr/>
+            <p:nvPr/>
+          </p:nvSpPr>
+          <p:spPr>
+            <a:xfrm>
+              <a:off x="5325563" y="1802328"/>
+              <a:ext cx="2466750" cy="811388"/>
+            </a:xfrm>
+            <a:prstGeom prst="flowChartAlternateProcess">
+              <a:avLst/>
+            </a:prstGeom>
+            <a:solidFill>
+              <a:schemeClr val="accent6">
+                <a:lumMod val="20000"/>
+                <a:lumOff val="80000"/>
+              </a:schemeClr>
+            </a:solidFill>
+            <a:ln>
+              <a:solidFill>
+                <a:schemeClr val="accent1"/>
+              </a:solidFill>
+              <a:prstDash val="solid"/>
+            </a:ln>
+          </p:spPr>
+          <p:style>
+            <a:lnRef idx="2">
+              <a:schemeClr val="accent6"/>
+            </a:lnRef>
+            <a:fillRef idx="1">
+              <a:schemeClr val="lt1"/>
+            </a:fillRef>
+            <a:effectRef idx="0">
+              <a:schemeClr val="accent6"/>
+            </a:effectRef>
+            <a:fontRef idx="minor">
+              <a:schemeClr val="dk1"/>
+            </a:fontRef>
+          </p:style>
+          <p:txBody>
+            <a:bodyPr rtlCol="0" anchor="ctr"/>
+            <a:lstStyle/>
+            <a:p>
+              <a:pPr algn="ctr"/>
+              <a:br>
+                <a:rPr lang="en-US" altLang="zh-CN" b="1" dirty="0"/>
+              </a:br>
+              <a:br>
+                <a:rPr lang="en-US" altLang="zh-CN" b="1" dirty="0"/>
+              </a:br>
+              <a:r>
+                <a:rPr lang="en-US" altLang="zh-CN" b="1" dirty="0"/>
+                <a:t>Step 3: </a:t>
+              </a:r>
+              <a:r>
+                <a:rPr lang="en-US" altLang="zh-CN" b="1" dirty="0">
+                  <a:sym typeface="+mn-ea"/>
+                </a:rPr>
+                <a:t>Fix Bugs</a:t>
+              </a:r>
+              <a:endParaRPr lang="en-US" altLang="zh-CN" b="1" dirty="0"/>
+            </a:p>
+          </p:txBody>
+        </p:sp>
+        <p:sp>
+          <p:nvSpPr>
+            <p:cNvPr id="85" name="矩形 84"/>
+            <p:cNvSpPr/>
+            <p:nvPr/>
+          </p:nvSpPr>
+          <p:spPr>
+            <a:xfrm>
+              <a:off x="5727107" y="1902947"/>
+              <a:ext cx="733799" cy="239252"/>
+            </a:xfrm>
+            <a:prstGeom prst="rect">
+              <a:avLst/>
+            </a:prstGeom>
+            <a:ln>
+              <a:solidFill>
+                <a:schemeClr val="tx1"/>
+              </a:solidFill>
+              <a:prstDash val="solid"/>
+            </a:ln>
+          </p:spPr>
+          <p:style>
+            <a:lnRef idx="2">
+              <a:schemeClr val="accent6"/>
+            </a:lnRef>
+            <a:fillRef idx="1">
+              <a:schemeClr val="lt1"/>
+            </a:fillRef>
+            <a:effectRef idx="0">
+              <a:schemeClr val="accent6"/>
+            </a:effectRef>
+            <a:fontRef idx="minor">
+              <a:schemeClr val="dk1"/>
+            </a:fontRef>
+          </p:style>
+          <p:txBody>
+            <a:bodyPr rtlCol="0" anchor="ctr"/>
+            <a:lstStyle/>
+            <a:p>
+              <a:pPr algn="ctr"/>
+              <a:r>
+                <a:rPr lang="en-US" altLang="zh-CN" dirty="0"/>
+                <a:t>Soot</a:t>
+              </a:r>
+              <a:endParaRPr lang="zh-CN" altLang="en-US" dirty="0"/>
+            </a:p>
+          </p:txBody>
+        </p:sp>
+        <p:sp>
+          <p:nvSpPr>
+            <p:cNvPr id="19" name="矩形 18"/>
+            <p:cNvSpPr/>
+            <p:nvPr/>
+          </p:nvSpPr>
+          <p:spPr>
+            <a:xfrm>
+              <a:off x="6771086" y="1926090"/>
+              <a:ext cx="629735" cy="216109"/>
+            </a:xfrm>
+            <a:prstGeom prst="rect">
+              <a:avLst/>
+            </a:prstGeom>
+            <a:ln>
+              <a:solidFill>
+                <a:schemeClr val="tx1"/>
+              </a:solidFill>
+              <a:prstDash val="solid"/>
+            </a:ln>
+          </p:spPr>
+          <p:style>
+            <a:lnRef idx="2">
+              <a:schemeClr val="accent6"/>
+            </a:lnRef>
+            <a:fillRef idx="1">
+              <a:schemeClr val="lt1"/>
+            </a:fillRef>
+            <a:effectRef idx="0">
+              <a:schemeClr val="accent6"/>
+            </a:effectRef>
+            <a:fontRef idx="minor">
+              <a:schemeClr val="dk1"/>
+            </a:fontRef>
+          </p:style>
+          <p:txBody>
+            <a:bodyPr rtlCol="0" anchor="ctr"/>
+            <a:lstStyle/>
+            <a:p>
+              <a:pPr algn="ctr"/>
+              <a:r>
+                <a:rPr lang="en-US" altLang="zh-CN" dirty="0"/>
+                <a:t>AST</a:t>
+              </a:r>
+              <a:endParaRPr lang="zh-CN" altLang="en-US" dirty="0"/>
+            </a:p>
+          </p:txBody>
+        </p:sp>
+      </p:grpSp>
+      <p:grpSp>
+        <p:nvGrpSpPr>
+          <p:cNvPr id="113" name="组合 112"/>
+          <p:cNvGrpSpPr/>
+          <p:nvPr/>
+        </p:nvGrpSpPr>
+        <p:grpSpPr>
+          <a:xfrm>
+            <a:off x="8950325" y="4488815"/>
+            <a:ext cx="1726565" cy="1002030"/>
+            <a:chOff x="5753216" y="3214821"/>
+            <a:chExt cx="1349318" cy="693475"/>
+          </a:xfrm>
+        </p:grpSpPr>
+        <p:sp>
+          <p:nvSpPr>
+            <p:cNvPr id="152" name="流程图: 可选过程 151"/>
+            <p:cNvSpPr/>
+            <p:nvPr/>
+          </p:nvSpPr>
+          <p:spPr>
+            <a:xfrm>
+              <a:off x="5753216" y="3214821"/>
+              <a:ext cx="1349318" cy="693475"/>
+            </a:xfrm>
+            <a:prstGeom prst="flowChartAlternateProcess">
+              <a:avLst/>
+            </a:prstGeom>
+            <a:solidFill>
+              <a:schemeClr val="accent4">
+                <a:lumMod val="20000"/>
+                <a:lumOff val="80000"/>
+              </a:schemeClr>
+            </a:solidFill>
+          </p:spPr>
+          <p:style>
+            <a:lnRef idx="2">
+              <a:schemeClr val="accent6"/>
+            </a:lnRef>
+            <a:fillRef idx="1">
+              <a:schemeClr val="lt1"/>
+            </a:fillRef>
+            <a:effectRef idx="0">
+              <a:schemeClr val="accent6"/>
+            </a:effectRef>
+            <a:fontRef idx="minor">
+              <a:schemeClr val="dk1"/>
+            </a:fontRef>
+          </p:style>
+          <p:txBody>
+            <a:bodyPr rtlCol="0" anchor="ctr"/>
+            <a:lstStyle/>
+            <a:p>
+              <a:pPr algn="ctr"/>
+              <a:br>
+                <a:rPr lang="en-US" altLang="zh-CN" dirty="0">
+                  <a:sym typeface="+mn-ea"/>
+                </a:rPr>
+              </a:br>
+              <a:r>
+                <a:rPr lang="en-US" altLang="zh-CN" dirty="0">
+                  <a:sym typeface="+mn-ea"/>
+                </a:rPr>
+                <a:t>Propagate </a:t>
+              </a:r>
+              <a:br>
+                <a:rPr lang="en-US" altLang="zh-CN" dirty="0">
+                  <a:sym typeface="+mn-ea"/>
+                </a:rPr>
+              </a:br>
+              <a:r>
+                <a:rPr lang="en-US" altLang="zh-CN" dirty="0">
+                  <a:sym typeface="+mn-ea"/>
+                </a:rPr>
+                <a:t>locking policy</a:t>
+              </a:r>
+              <a:endParaRPr lang="en-US" altLang="zh-CN" dirty="0"/>
+            </a:p>
+          </p:txBody>
+        </p:sp>
+        <p:sp>
+          <p:nvSpPr>
+            <p:cNvPr id="23" name="矩形 22"/>
+            <p:cNvSpPr/>
+            <p:nvPr/>
+          </p:nvSpPr>
+          <p:spPr>
+            <a:xfrm>
+              <a:off x="6089507" y="3260461"/>
+              <a:ext cx="690337" cy="200549"/>
+            </a:xfrm>
+            <a:prstGeom prst="rect">
+              <a:avLst/>
+            </a:prstGeom>
+            <a:ln>
+              <a:solidFill>
+                <a:schemeClr val="tx1"/>
+              </a:solidFill>
+            </a:ln>
+          </p:spPr>
+          <p:style>
+            <a:lnRef idx="2">
+              <a:schemeClr val="accent6"/>
+            </a:lnRef>
+            <a:fillRef idx="1">
+              <a:schemeClr val="lt1"/>
+            </a:fillRef>
+            <a:effectRef idx="0">
+              <a:schemeClr val="accent6"/>
+            </a:effectRef>
+            <a:fontRef idx="minor">
+              <a:schemeClr val="dk1"/>
+            </a:fontRef>
+          </p:style>
+          <p:txBody>
+            <a:bodyPr rtlCol="0" anchor="ctr"/>
+            <a:lstStyle/>
+            <a:p>
+              <a:pPr algn="ctr"/>
+              <a:r>
+                <a:rPr lang="en-US" altLang="zh-CN" dirty="0">
+                  <a:ln w="0"/>
+                  <a:effectLst>
+                    <a:outerShdw blurRad="38100" dist="19050" dir="2700000" algn="tl" rotWithShape="0">
+                      <a:schemeClr val="dk1">
+                        <a:alpha val="40000"/>
+                      </a:schemeClr>
+                    </a:outerShdw>
+                  </a:effectLst>
+                </a:rPr>
+                <a:t>AST</a:t>
+              </a:r>
+              <a:endParaRPr lang="en-US" altLang="zh-CN" dirty="0">
+                <a:ln w="0"/>
+                <a:effectLst>
+                  <a:outerShdw blurRad="38100" dist="19050" dir="2700000" algn="tl" rotWithShape="0">
+                    <a:schemeClr val="dk1">
+                      <a:alpha val="40000"/>
+                    </a:schemeClr>
+                  </a:outerShdw>
+                </a:effectLst>
+              </a:endParaRPr>
+            </a:p>
+          </p:txBody>
+        </p:sp>
+      </p:grpSp>
+      <p:grpSp>
+        <p:nvGrpSpPr>
+          <p:cNvPr id="80" name="组合 79"/>
+          <p:cNvGrpSpPr/>
+          <p:nvPr/>
+        </p:nvGrpSpPr>
+        <p:grpSpPr>
+          <a:xfrm>
+            <a:off x="6271260" y="4504690"/>
+            <a:ext cx="2346960" cy="963930"/>
+            <a:chOff x="5986768" y="4336388"/>
+            <a:chExt cx="2272632" cy="515219"/>
+          </a:xfrm>
+        </p:grpSpPr>
+        <p:sp>
+          <p:nvSpPr>
+            <p:cNvPr id="145" name="流程图: 可选过程 144"/>
+            <p:cNvSpPr/>
+            <p:nvPr/>
+          </p:nvSpPr>
+          <p:spPr>
+            <a:xfrm>
+              <a:off x="5986768" y="4336388"/>
+              <a:ext cx="2272632" cy="515219"/>
+            </a:xfrm>
+            <a:prstGeom prst="flowChartAlternateProcess">
+              <a:avLst/>
+            </a:prstGeom>
+            <a:solidFill>
+              <a:schemeClr val="accent4">
+                <a:lumMod val="20000"/>
+                <a:lumOff val="80000"/>
+              </a:schemeClr>
+            </a:solidFill>
+          </p:spPr>
+          <p:style>
+            <a:lnRef idx="2">
+              <a:schemeClr val="accent6"/>
+            </a:lnRef>
+            <a:fillRef idx="1">
+              <a:schemeClr val="lt1"/>
+            </a:fillRef>
+            <a:effectRef idx="0">
+              <a:schemeClr val="accent6"/>
+            </a:effectRef>
+            <a:fontRef idx="minor">
+              <a:schemeClr val="dk1"/>
+            </a:fontRef>
+          </p:style>
+          <p:txBody>
+            <a:bodyPr rtlCol="0" anchor="ctr"/>
+            <a:lstStyle/>
+            <a:p>
+              <a:pPr algn="ctr"/>
+              <a:br>
+                <a:rPr lang="en-US" altLang="zh-CN" dirty="0">
+                  <a:sym typeface="+mn-ea"/>
+                </a:rPr>
+              </a:br>
+              <a:r>
+                <a:rPr lang="en-US" altLang="zh-CN" dirty="0">
+                  <a:sym typeface="+mn-ea"/>
+                </a:rPr>
+                <a:t>Remove redundant locking</a:t>
+              </a:r>
+              <a:endParaRPr lang="en-US" altLang="zh-CN" dirty="0"/>
+            </a:p>
+          </p:txBody>
+        </p:sp>
+        <p:grpSp>
+          <p:nvGrpSpPr>
+            <p:cNvPr id="75" name="组合 74"/>
+            <p:cNvGrpSpPr/>
+            <p:nvPr/>
+          </p:nvGrpSpPr>
+          <p:grpSpPr>
+            <a:xfrm>
+              <a:off x="6301692" y="4360386"/>
+              <a:ext cx="1737939" cy="178507"/>
+              <a:chOff x="6285995" y="4333104"/>
+              <a:chExt cx="1710990" cy="178467"/>
+            </a:xfrm>
+          </p:grpSpPr>
+          <p:sp>
+            <p:nvSpPr>
+              <p:cNvPr id="11" name="矩形 10"/>
+              <p:cNvSpPr/>
+              <p:nvPr/>
+            </p:nvSpPr>
+            <p:spPr>
+              <a:xfrm>
+                <a:off x="6285995" y="4333104"/>
+                <a:ext cx="680642" cy="178467"/>
+              </a:xfrm>
+              <a:prstGeom prst="rect">
+                <a:avLst/>
+              </a:prstGeom>
+              <a:ln>
+                <a:solidFill>
+                  <a:schemeClr val="tx1"/>
+                </a:solidFill>
+              </a:ln>
+            </p:spPr>
+            <p:style>
+              <a:lnRef idx="2">
+                <a:schemeClr val="accent6"/>
+              </a:lnRef>
+              <a:fillRef idx="1">
+                <a:schemeClr val="lt1"/>
+              </a:fillRef>
+              <a:effectRef idx="0">
+                <a:schemeClr val="accent6"/>
+              </a:effectRef>
+              <a:fontRef idx="minor">
+                <a:schemeClr val="dk1"/>
+              </a:fontRef>
+            </p:style>
+            <p:txBody>
+              <a:bodyPr rtlCol="0" anchor="ctr"/>
+              <a:lstStyle/>
+              <a:p>
+                <a:pPr algn="ctr"/>
+                <a:r>
+                  <a:rPr lang="en-US" altLang="zh-CN" dirty="0">
+                    <a:ln w="0"/>
+                    <a:effectLst>
+                      <a:outerShdw blurRad="38100" dist="19050" dir="2700000" algn="tl" rotWithShape="0">
+                        <a:schemeClr val="dk1">
+                          <a:alpha val="40000"/>
+                        </a:schemeClr>
+                      </a:outerShdw>
+                    </a:effectLst>
+                  </a:rPr>
+                  <a:t>JPF</a:t>
+                </a:r>
+                <a:endParaRPr lang="en-US" altLang="zh-CN" dirty="0">
+                  <a:ln w="0"/>
+                  <a:effectLst>
+                    <a:outerShdw blurRad="38100" dist="19050" dir="2700000" algn="tl" rotWithShape="0">
+                      <a:schemeClr val="dk1">
+                        <a:alpha val="40000"/>
+                      </a:schemeClr>
+                    </a:outerShdw>
+                  </a:effectLst>
+                </a:endParaRPr>
+              </a:p>
+            </p:txBody>
+          </p:sp>
+          <p:sp>
+            <p:nvSpPr>
+              <p:cNvPr id="25" name="矩形 24"/>
+              <p:cNvSpPr/>
+              <p:nvPr/>
+            </p:nvSpPr>
+            <p:spPr>
+              <a:xfrm>
+                <a:off x="7217305" y="4337293"/>
+                <a:ext cx="779680" cy="172321"/>
+              </a:xfrm>
+              <a:prstGeom prst="rect">
+                <a:avLst/>
+              </a:prstGeom>
+              <a:ln>
+                <a:solidFill>
+                  <a:schemeClr val="tx1"/>
+                </a:solidFill>
+              </a:ln>
+            </p:spPr>
+            <p:style>
+              <a:lnRef idx="2">
+                <a:schemeClr val="accent6"/>
+              </a:lnRef>
+              <a:fillRef idx="1">
+                <a:schemeClr val="lt1"/>
+              </a:fillRef>
+              <a:effectRef idx="0">
+                <a:schemeClr val="accent6"/>
+              </a:effectRef>
+              <a:fontRef idx="minor">
+                <a:schemeClr val="dk1"/>
+              </a:fontRef>
+            </p:style>
+            <p:txBody>
+              <a:bodyPr rtlCol="0" anchor="ctr"/>
+              <a:lstStyle/>
+              <a:p>
+                <a:pPr algn="ctr"/>
+                <a:r>
+                  <a:rPr lang="en-US" altLang="zh-CN" dirty="0">
+                    <a:ln w="0"/>
+                    <a:effectLst>
+                      <a:outerShdw blurRad="38100" dist="19050" dir="2700000" algn="tl" rotWithShape="0">
+                        <a:schemeClr val="dk1">
+                          <a:alpha val="40000"/>
+                        </a:schemeClr>
+                      </a:outerShdw>
+                    </a:effectLst>
+                  </a:rPr>
+                  <a:t>AST</a:t>
+                </a:r>
+                <a:endParaRPr lang="en-US" altLang="zh-CN" dirty="0">
+                  <a:ln w="0"/>
+                  <a:effectLst>
+                    <a:outerShdw blurRad="38100" dist="19050" dir="2700000" algn="tl" rotWithShape="0">
+                      <a:schemeClr val="dk1">
+                        <a:alpha val="40000"/>
+                      </a:schemeClr>
+                    </a:outerShdw>
+                  </a:effectLst>
+                </a:endParaRPr>
+              </a:p>
+            </p:txBody>
+          </p:sp>
+        </p:grpSp>
+      </p:grpSp>
+      <p:grpSp>
+        <p:nvGrpSpPr>
+          <p:cNvPr id="64" name="组合 63"/>
+          <p:cNvGrpSpPr/>
+          <p:nvPr/>
+        </p:nvGrpSpPr>
+        <p:grpSpPr>
+          <a:xfrm>
+            <a:off x="1470025" y="4353560"/>
+            <a:ext cx="3190240" cy="1591310"/>
+            <a:chOff x="1482223" y="3429081"/>
+            <a:chExt cx="1784501" cy="627351"/>
+          </a:xfrm>
+          <a:solidFill>
+            <a:srgbClr val="E2F0D9"/>
+          </a:solidFill>
+        </p:grpSpPr>
+        <p:sp>
+          <p:nvSpPr>
+            <p:cNvPr id="156" name="流程图: 可选过程 155"/>
+            <p:cNvSpPr/>
+            <p:nvPr/>
+          </p:nvSpPr>
+          <p:spPr>
+            <a:xfrm>
+              <a:off x="1482223" y="3429081"/>
+              <a:ext cx="1784501" cy="627351"/>
+            </a:xfrm>
+            <a:prstGeom prst="flowChartAlternateProcess">
+              <a:avLst/>
+            </a:prstGeom>
+            <a:grpFill/>
+            <a:ln>
+              <a:solidFill>
+                <a:srgbClr val="5B9BD5"/>
+              </a:solidFill>
+            </a:ln>
+          </p:spPr>
+          <p:style>
+            <a:lnRef idx="2">
+              <a:schemeClr val="accent6"/>
+            </a:lnRef>
+            <a:fillRef idx="1">
+              <a:schemeClr val="lt1"/>
+            </a:fillRef>
+            <a:effectRef idx="0">
+              <a:schemeClr val="accent6"/>
+            </a:effectRef>
+            <a:fontRef idx="minor">
+              <a:schemeClr val="dk1"/>
+            </a:fontRef>
+          </p:style>
+          <p:txBody>
+            <a:bodyPr rtlCol="0" anchor="ctr"/>
+            <a:lstStyle/>
+            <a:p>
+              <a:pPr algn="ctr"/>
+              <a:endParaRPr lang="en-US" altLang="zh-CN" dirty="0">
+                <a:sym typeface="+mn-ea"/>
+              </a:endParaRPr>
+            </a:p>
+            <a:p>
+              <a:pPr algn="ctr"/>
+              <a:endParaRPr lang="en-US" altLang="zh-CN" dirty="0">
+                <a:sym typeface="+mn-ea"/>
+              </a:endParaRPr>
+            </a:p>
+            <a:p>
+              <a:pPr algn="ctr"/>
+              <a:r>
+                <a:rPr lang="en-US" altLang="zh-CN" b="1" dirty="0">
+                  <a:sym typeface="+mn-ea"/>
+                </a:rPr>
+                <a:t>Step 5: Test Fixed Program</a:t>
+              </a:r>
+              <a:endParaRPr lang="en-US" altLang="zh-CN" b="1" dirty="0"/>
+            </a:p>
+          </p:txBody>
+        </p:sp>
+        <p:grpSp>
+          <p:nvGrpSpPr>
+            <p:cNvPr id="62" name="组合 61"/>
+            <p:cNvGrpSpPr/>
+            <p:nvPr/>
+          </p:nvGrpSpPr>
+          <p:grpSpPr>
+            <a:xfrm>
+              <a:off x="1574372" y="3523566"/>
+              <a:ext cx="1447743" cy="219197"/>
+              <a:chOff x="1766208" y="4745028"/>
+              <a:chExt cx="1447743" cy="219197"/>
+            </a:xfrm>
+            <a:grpFill/>
+          </p:grpSpPr>
+          <p:sp>
+            <p:nvSpPr>
+              <p:cNvPr id="7" name="矩形 6"/>
+              <p:cNvSpPr/>
+              <p:nvPr/>
+            </p:nvSpPr>
+            <p:spPr>
+              <a:xfrm>
+                <a:off x="2668158" y="4763949"/>
+                <a:ext cx="545793" cy="200276"/>
+              </a:xfrm>
+              <a:prstGeom prst="rect">
+                <a:avLst/>
+              </a:prstGeom>
+              <a:solidFill>
+                <a:schemeClr val="bg1"/>
+              </a:solidFill>
+              <a:ln>
+                <a:solidFill>
+                  <a:srgbClr val="5B9BD5"/>
+                </a:solidFill>
+              </a:ln>
+            </p:spPr>
+            <p:style>
+              <a:lnRef idx="2">
+                <a:schemeClr val="accent6"/>
+              </a:lnRef>
+              <a:fillRef idx="1">
+                <a:schemeClr val="lt1"/>
+              </a:fillRef>
+              <a:effectRef idx="0">
+                <a:schemeClr val="accent6"/>
+              </a:effectRef>
+              <a:fontRef idx="minor">
+                <a:schemeClr val="dk1"/>
+              </a:fontRef>
+            </p:style>
+            <p:txBody>
+              <a:bodyPr rtlCol="0" anchor="ctr"/>
+              <a:lstStyle/>
+              <a:p>
+                <a:pPr algn="ctr"/>
+                <a:r>
+                  <a:rPr lang="en-US" altLang="zh-CN" dirty="0">
+                    <a:ln w="0"/>
+                    <a:effectLst>
+                      <a:outerShdw blurRad="38100" dist="19050" dir="2700000" algn="tl" rotWithShape="0">
+                        <a:schemeClr val="dk1">
+                          <a:alpha val="40000"/>
+                        </a:schemeClr>
+                      </a:outerShdw>
+                    </a:effectLst>
+                  </a:rPr>
+                  <a:t>JPF</a:t>
+                </a:r>
+                <a:endParaRPr lang="en-US" altLang="zh-CN" dirty="0">
+                  <a:ln w="0"/>
+                  <a:effectLst>
+                    <a:outerShdw blurRad="38100" dist="19050" dir="2700000" algn="tl" rotWithShape="0">
+                      <a:schemeClr val="dk1">
+                        <a:alpha val="40000"/>
+                      </a:schemeClr>
+                    </a:outerShdw>
+                  </a:effectLst>
+                </a:endParaRPr>
+              </a:p>
+            </p:txBody>
+          </p:sp>
+          <p:sp>
+            <p:nvSpPr>
+              <p:cNvPr id="15" name="矩形 14"/>
+              <p:cNvSpPr/>
+              <p:nvPr/>
+            </p:nvSpPr>
+            <p:spPr>
+              <a:xfrm>
+                <a:off x="1766208" y="4745028"/>
+                <a:ext cx="766237" cy="219196"/>
+              </a:xfrm>
+              <a:prstGeom prst="rect">
+                <a:avLst/>
+              </a:prstGeom>
+              <a:solidFill>
+                <a:schemeClr val="bg1"/>
+              </a:solidFill>
+              <a:ln>
+                <a:solidFill>
+                  <a:srgbClr val="5B9BD5"/>
+                </a:solidFill>
+              </a:ln>
+            </p:spPr>
+            <p:style>
+              <a:lnRef idx="2">
+                <a:schemeClr val="accent6"/>
+              </a:lnRef>
+              <a:fillRef idx="1">
+                <a:schemeClr val="lt1"/>
+              </a:fillRef>
+              <a:effectRef idx="0">
+                <a:schemeClr val="accent6"/>
+              </a:effectRef>
+              <a:fontRef idx="minor">
+                <a:schemeClr val="dk1"/>
+              </a:fontRef>
+            </p:style>
+            <p:txBody>
+              <a:bodyPr rtlCol="0" anchor="ctr"/>
+              <a:lstStyle/>
+              <a:p>
+                <a:pPr algn="ctr"/>
+                <a:r>
+                  <a:rPr lang="en-US" altLang="zh-CN" dirty="0">
+                    <a:ln w="0"/>
+                    <a:effectLst>
+                      <a:outerShdw blurRad="38100" dist="19050" dir="2700000" algn="tl" rotWithShape="0">
+                        <a:schemeClr val="dk1">
+                          <a:alpha val="40000"/>
+                        </a:schemeClr>
+                      </a:outerShdw>
+                    </a:effectLst>
+                  </a:rPr>
+                  <a:t>Unicorn</a:t>
+                </a:r>
+                <a:endParaRPr lang="en-US" altLang="zh-CN" dirty="0">
+                  <a:ln w="0"/>
+                  <a:effectLst>
+                    <a:outerShdw blurRad="38100" dist="19050" dir="2700000" algn="tl" rotWithShape="0">
+                      <a:schemeClr val="dk1">
+                        <a:alpha val="40000"/>
+                      </a:schemeClr>
+                    </a:outerShdw>
+                  </a:effectLst>
+                </a:endParaRPr>
+              </a:p>
+            </p:txBody>
+          </p:sp>
+        </p:grpSp>
+      </p:grpSp>
+      <p:cxnSp>
+        <p:nvCxnSpPr>
+          <p:cNvPr id="31" name="直接箭头连接符 30"/>
+          <p:cNvCxnSpPr/>
+          <p:nvPr/>
+        </p:nvCxnSpPr>
+        <p:spPr>
+          <a:xfrm>
+            <a:off x="5757594" y="1420162"/>
+            <a:ext cx="1341105" cy="0"/>
+          </a:xfrm>
+          <a:prstGeom prst="straightConnector1">
+            <a:avLst/>
+          </a:prstGeom>
+          <a:ln w="38100" cmpd="sng">
+            <a:solidFill>
+              <a:schemeClr val="tx1"/>
+            </a:solidFill>
+            <a:prstDash val="solid"/>
+            <a:tailEnd type="arrow"/>
+          </a:ln>
+        </p:spPr>
+        <p:style>
+          <a:lnRef idx="1">
+            <a:schemeClr val="accent1"/>
+          </a:lnRef>
+          <a:fillRef idx="0">
+            <a:schemeClr val="accent1"/>
+          </a:fillRef>
+          <a:effectRef idx="0">
+            <a:schemeClr val="accent1"/>
+          </a:effectRef>
+          <a:fontRef idx="minor">
+            <a:schemeClr val="tx1"/>
+          </a:fontRef>
+        </p:style>
+      </p:cxnSp>
+      <p:cxnSp>
+        <p:nvCxnSpPr>
+          <p:cNvPr id="32" name="直接箭头连接符 31"/>
+          <p:cNvCxnSpPr>
+            <a:stCxn id="83" idx="2"/>
+          </p:cNvCxnSpPr>
+          <p:nvPr/>
+        </p:nvCxnSpPr>
+        <p:spPr>
+          <a:xfrm>
+            <a:off x="8937649" y="3775132"/>
+            <a:ext cx="0" cy="567655"/>
+          </a:xfrm>
+          <a:prstGeom prst="straightConnector1">
+            <a:avLst/>
+          </a:prstGeom>
+          <a:ln w="38100" cmpd="sng">
+            <a:solidFill>
+              <a:schemeClr val="tx1"/>
+            </a:solidFill>
+            <a:prstDash val="solid"/>
+            <a:tailEnd type="arrow"/>
+          </a:ln>
+        </p:spPr>
+        <p:style>
+          <a:lnRef idx="1">
+            <a:schemeClr val="accent1"/>
+          </a:lnRef>
+          <a:fillRef idx="0">
+            <a:schemeClr val="accent1"/>
+          </a:fillRef>
+          <a:effectRef idx="0">
+            <a:schemeClr val="accent1"/>
+          </a:effectRef>
+          <a:fontRef idx="minor">
+            <a:schemeClr val="tx1"/>
+          </a:fontRef>
+        </p:style>
+      </p:cxnSp>
+      <p:cxnSp>
+        <p:nvCxnSpPr>
+          <p:cNvPr id="18" name="直接箭头连接符 17"/>
+          <p:cNvCxnSpPr/>
+          <p:nvPr/>
+        </p:nvCxnSpPr>
+        <p:spPr>
+          <a:xfrm flipH="1">
+            <a:off x="4652010" y="5113020"/>
+            <a:ext cx="1440011" cy="3175"/>
+          </a:xfrm>
+          <a:prstGeom prst="straightConnector1">
+            <a:avLst/>
+          </a:prstGeom>
+          <a:ln w="38100" cmpd="sng">
+            <a:solidFill>
+              <a:schemeClr val="tx1"/>
+            </a:solidFill>
+            <a:prstDash val="solid"/>
+            <a:tailEnd type="arrow"/>
+          </a:ln>
+        </p:spPr>
+        <p:style>
+          <a:lnRef idx="1">
+            <a:schemeClr val="accent1"/>
+          </a:lnRef>
+          <a:fillRef idx="0">
+            <a:schemeClr val="accent1"/>
+          </a:fillRef>
+          <a:effectRef idx="0">
+            <a:schemeClr val="accent1"/>
+          </a:effectRef>
+          <a:fontRef idx="minor">
+            <a:schemeClr val="tx1"/>
+          </a:fontRef>
+        </p:style>
+      </p:cxnSp>
+    </p:spTree>
+  </p:cSld>
+  <p:clrMapOvr>
+    <a:masterClrMapping/>
+  </p:clrMapOvr>
+</p:sld>
+</file>
+
+<file path=ppt/slides/slide2.xml><?xml version="1.0" encoding="utf-8"?>
 <p:sld xmlns:a="http://schemas.openxmlformats.org/drawingml/2006/main" xmlns:r="http://schemas.openxmlformats.org/officeDocument/2006/relationships" xmlns:p="http://schemas.openxmlformats.org/presentationml/2006/main">
   <p:cSld>
     <p:bg>

--- a/picture/画图.pptx
+++ b/picture/画图.pptx
@@ -6,7 +6,6 @@
   </p:sldMasterIdLst>
   <p:sldIdLst>
     <p:sldId id="259" r:id="rId3"/>
-    <p:sldId id="260" r:id="rId4"/>
   </p:sldIdLst>
   <p:sldSz cx="12192000" cy="6858000"/>
   <p:notesSz cx="6858000" cy="9144000"/>
@@ -4274,1656 +4273,7 @@
                 <a:rPr lang="en-US" altLang="zh-CN" b="1" dirty="0">
                   <a:sym typeface="+mn-ea"/>
                 </a:rPr>
-                <a:t>Step 5: Test Fixed Program</a:t>
-              </a:r>
-              <a:endParaRPr lang="en-US" altLang="zh-CN" b="1" dirty="0"/>
-            </a:p>
-          </p:txBody>
-        </p:sp>
-        <p:grpSp>
-          <p:nvGrpSpPr>
-            <p:cNvPr id="62" name="组合 61"/>
-            <p:cNvGrpSpPr/>
-            <p:nvPr/>
-          </p:nvGrpSpPr>
-          <p:grpSpPr>
-            <a:xfrm>
-              <a:off x="1574372" y="3523566"/>
-              <a:ext cx="1447743" cy="219197"/>
-              <a:chOff x="1766208" y="4745028"/>
-              <a:chExt cx="1447743" cy="219197"/>
-            </a:xfrm>
-            <a:grpFill/>
-          </p:grpSpPr>
-          <p:sp>
-            <p:nvSpPr>
-              <p:cNvPr id="7" name="矩形 6"/>
-              <p:cNvSpPr/>
-              <p:nvPr/>
-            </p:nvSpPr>
-            <p:spPr>
-              <a:xfrm>
-                <a:off x="2668158" y="4763949"/>
-                <a:ext cx="545793" cy="200276"/>
-              </a:xfrm>
-              <a:prstGeom prst="rect">
-                <a:avLst/>
-              </a:prstGeom>
-              <a:solidFill>
-                <a:schemeClr val="bg1"/>
-              </a:solidFill>
-              <a:ln>
-                <a:solidFill>
-                  <a:srgbClr val="5B9BD5"/>
-                </a:solidFill>
-              </a:ln>
-            </p:spPr>
-            <p:style>
-              <a:lnRef idx="2">
-                <a:schemeClr val="accent6"/>
-              </a:lnRef>
-              <a:fillRef idx="1">
-                <a:schemeClr val="lt1"/>
-              </a:fillRef>
-              <a:effectRef idx="0">
-                <a:schemeClr val="accent6"/>
-              </a:effectRef>
-              <a:fontRef idx="minor">
-                <a:schemeClr val="dk1"/>
-              </a:fontRef>
-            </p:style>
-            <p:txBody>
-              <a:bodyPr rtlCol="0" anchor="ctr"/>
-              <a:lstStyle/>
-              <a:p>
-                <a:pPr algn="ctr"/>
-                <a:r>
-                  <a:rPr lang="en-US" altLang="zh-CN" dirty="0">
-                    <a:ln w="0"/>
-                    <a:effectLst>
-                      <a:outerShdw blurRad="38100" dist="19050" dir="2700000" algn="tl" rotWithShape="0">
-                        <a:schemeClr val="dk1">
-                          <a:alpha val="40000"/>
-                        </a:schemeClr>
-                      </a:outerShdw>
-                    </a:effectLst>
-                  </a:rPr>
-                  <a:t>JPF</a:t>
-                </a:r>
-                <a:endParaRPr lang="en-US" altLang="zh-CN" dirty="0">
-                  <a:ln w="0"/>
-                  <a:effectLst>
-                    <a:outerShdw blurRad="38100" dist="19050" dir="2700000" algn="tl" rotWithShape="0">
-                      <a:schemeClr val="dk1">
-                        <a:alpha val="40000"/>
-                      </a:schemeClr>
-                    </a:outerShdw>
-                  </a:effectLst>
-                </a:endParaRPr>
-              </a:p>
-            </p:txBody>
-          </p:sp>
-          <p:sp>
-            <p:nvSpPr>
-              <p:cNvPr id="15" name="矩形 14"/>
-              <p:cNvSpPr/>
-              <p:nvPr/>
-            </p:nvSpPr>
-            <p:spPr>
-              <a:xfrm>
-                <a:off x="1766208" y="4745028"/>
-                <a:ext cx="766237" cy="219196"/>
-              </a:xfrm>
-              <a:prstGeom prst="rect">
-                <a:avLst/>
-              </a:prstGeom>
-              <a:solidFill>
-                <a:schemeClr val="bg1"/>
-              </a:solidFill>
-              <a:ln>
-                <a:solidFill>
-                  <a:srgbClr val="5B9BD5"/>
-                </a:solidFill>
-              </a:ln>
-            </p:spPr>
-            <p:style>
-              <a:lnRef idx="2">
-                <a:schemeClr val="accent6"/>
-              </a:lnRef>
-              <a:fillRef idx="1">
-                <a:schemeClr val="lt1"/>
-              </a:fillRef>
-              <a:effectRef idx="0">
-                <a:schemeClr val="accent6"/>
-              </a:effectRef>
-              <a:fontRef idx="minor">
-                <a:schemeClr val="dk1"/>
-              </a:fontRef>
-            </p:style>
-            <p:txBody>
-              <a:bodyPr rtlCol="0" anchor="ctr"/>
-              <a:lstStyle/>
-              <a:p>
-                <a:pPr algn="ctr"/>
-                <a:r>
-                  <a:rPr lang="en-US" altLang="zh-CN" dirty="0">
-                    <a:ln w="0"/>
-                    <a:effectLst>
-                      <a:outerShdw blurRad="38100" dist="19050" dir="2700000" algn="tl" rotWithShape="0">
-                        <a:schemeClr val="dk1">
-                          <a:alpha val="40000"/>
-                        </a:schemeClr>
-                      </a:outerShdw>
-                    </a:effectLst>
-                  </a:rPr>
-                  <a:t>Unicorn</a:t>
-                </a:r>
-                <a:endParaRPr lang="en-US" altLang="zh-CN" dirty="0">
-                  <a:ln w="0"/>
-                  <a:effectLst>
-                    <a:outerShdw blurRad="38100" dist="19050" dir="2700000" algn="tl" rotWithShape="0">
-                      <a:schemeClr val="dk1">
-                        <a:alpha val="40000"/>
-                      </a:schemeClr>
-                    </a:outerShdw>
-                  </a:effectLst>
-                </a:endParaRPr>
-              </a:p>
-            </p:txBody>
-          </p:sp>
-        </p:grpSp>
-      </p:grpSp>
-      <p:cxnSp>
-        <p:nvCxnSpPr>
-          <p:cNvPr id="31" name="直接箭头连接符 30"/>
-          <p:cNvCxnSpPr/>
-          <p:nvPr/>
-        </p:nvCxnSpPr>
-        <p:spPr>
-          <a:xfrm>
-            <a:off x="5757594" y="1420162"/>
-            <a:ext cx="1341105" cy="0"/>
-          </a:xfrm>
-          <a:prstGeom prst="straightConnector1">
-            <a:avLst/>
-          </a:prstGeom>
-          <a:ln w="38100" cmpd="sng">
-            <a:solidFill>
-              <a:schemeClr val="tx1"/>
-            </a:solidFill>
-            <a:prstDash val="solid"/>
-            <a:tailEnd type="arrow"/>
-          </a:ln>
-        </p:spPr>
-        <p:style>
-          <a:lnRef idx="1">
-            <a:schemeClr val="accent1"/>
-          </a:lnRef>
-          <a:fillRef idx="0">
-            <a:schemeClr val="accent1"/>
-          </a:fillRef>
-          <a:effectRef idx="0">
-            <a:schemeClr val="accent1"/>
-          </a:effectRef>
-          <a:fontRef idx="minor">
-            <a:schemeClr val="tx1"/>
-          </a:fontRef>
-        </p:style>
-      </p:cxnSp>
-      <p:cxnSp>
-        <p:nvCxnSpPr>
-          <p:cNvPr id="32" name="直接箭头连接符 31"/>
-          <p:cNvCxnSpPr>
-            <a:stCxn id="83" idx="2"/>
-          </p:cNvCxnSpPr>
-          <p:nvPr/>
-        </p:nvCxnSpPr>
-        <p:spPr>
-          <a:xfrm>
-            <a:off x="8937649" y="3775132"/>
-            <a:ext cx="0" cy="567655"/>
-          </a:xfrm>
-          <a:prstGeom prst="straightConnector1">
-            <a:avLst/>
-          </a:prstGeom>
-          <a:ln w="38100" cmpd="sng">
-            <a:solidFill>
-              <a:schemeClr val="tx1"/>
-            </a:solidFill>
-            <a:prstDash val="solid"/>
-            <a:tailEnd type="arrow"/>
-          </a:ln>
-        </p:spPr>
-        <p:style>
-          <a:lnRef idx="1">
-            <a:schemeClr val="accent1"/>
-          </a:lnRef>
-          <a:fillRef idx="0">
-            <a:schemeClr val="accent1"/>
-          </a:fillRef>
-          <a:effectRef idx="0">
-            <a:schemeClr val="accent1"/>
-          </a:effectRef>
-          <a:fontRef idx="minor">
-            <a:schemeClr val="tx1"/>
-          </a:fontRef>
-        </p:style>
-      </p:cxnSp>
-      <p:cxnSp>
-        <p:nvCxnSpPr>
-          <p:cNvPr id="18" name="直接箭头连接符 17"/>
-          <p:cNvCxnSpPr/>
-          <p:nvPr/>
-        </p:nvCxnSpPr>
-        <p:spPr>
-          <a:xfrm flipH="1">
-            <a:off x="4652010" y="5113020"/>
-            <a:ext cx="1440011" cy="3175"/>
-          </a:xfrm>
-          <a:prstGeom prst="straightConnector1">
-            <a:avLst/>
-          </a:prstGeom>
-          <a:ln w="38100" cmpd="sng">
-            <a:solidFill>
-              <a:schemeClr val="tx1"/>
-            </a:solidFill>
-            <a:prstDash val="solid"/>
-            <a:tailEnd type="arrow"/>
-          </a:ln>
-        </p:spPr>
-        <p:style>
-          <a:lnRef idx="1">
-            <a:schemeClr val="accent1"/>
-          </a:lnRef>
-          <a:fillRef idx="0">
-            <a:schemeClr val="accent1"/>
-          </a:fillRef>
-          <a:effectRef idx="0">
-            <a:schemeClr val="accent1"/>
-          </a:effectRef>
-          <a:fontRef idx="minor">
-            <a:schemeClr val="tx1"/>
-          </a:fontRef>
-        </p:style>
-      </p:cxnSp>
-    </p:spTree>
-  </p:cSld>
-  <p:clrMapOvr>
-    <a:masterClrMapping/>
-  </p:clrMapOvr>
-</p:sld>
-</file>
-
-<file path=ppt/slides/slide2.xml><?xml version="1.0" encoding="utf-8"?>
-<p:sld xmlns:a="http://schemas.openxmlformats.org/drawingml/2006/main" xmlns:r="http://schemas.openxmlformats.org/officeDocument/2006/relationships" xmlns:p="http://schemas.openxmlformats.org/presentationml/2006/main">
-  <p:cSld>
-    <p:bg>
-      <p:bgPr>
-        <a:solidFill>
-          <a:schemeClr val="bg1"/>
-        </a:solidFill>
-        <a:effectLst/>
-      </p:bgPr>
-    </p:bg>
-    <p:spTree>
-      <p:nvGrpSpPr>
-        <p:cNvPr id="1" name=""/>
-        <p:cNvGrpSpPr/>
-        <p:nvPr/>
-      </p:nvGrpSpPr>
-      <p:grpSpPr>
-        <a:xfrm>
-          <a:off x="0" y="0"/>
-          <a:ext cx="0" cy="0"/>
-          <a:chOff x="0" y="0"/>
-          <a:chExt cx="0" cy="0"/>
-        </a:xfrm>
-      </p:grpSpPr>
-      <p:sp>
-        <p:nvSpPr>
-          <p:cNvPr id="45" name="流程图: 可选过程 44"/>
-          <p:cNvSpPr/>
-          <p:nvPr/>
-        </p:nvSpPr>
-        <p:spPr>
-          <a:xfrm>
-            <a:off x="1470519" y="808769"/>
-            <a:ext cx="4240023" cy="2993995"/>
-          </a:xfrm>
-          <a:prstGeom prst="flowChartAlternateProcess">
-            <a:avLst/>
-          </a:prstGeom>
-          <a:solidFill>
-            <a:schemeClr val="accent6">
-              <a:lumMod val="20000"/>
-              <a:lumOff val="80000"/>
-            </a:schemeClr>
-          </a:solidFill>
-          <a:ln>
-            <a:solidFill>
-              <a:schemeClr val="accent1"/>
-            </a:solidFill>
-            <a:prstDash val="solid"/>
-          </a:ln>
-        </p:spPr>
-        <p:style>
-          <a:lnRef idx="2">
-            <a:schemeClr val="accent6"/>
-          </a:lnRef>
-          <a:fillRef idx="1">
-            <a:schemeClr val="lt1"/>
-          </a:fillRef>
-          <a:effectRef idx="0">
-            <a:schemeClr val="accent6"/>
-          </a:effectRef>
-          <a:fontRef idx="minor">
-            <a:schemeClr val="dk1"/>
-          </a:fontRef>
-        </p:style>
-        <p:txBody>
-          <a:bodyPr rtlCol="0" anchor="ctr"/>
-          <a:lstStyle/>
-          <a:p>
-            <a:pPr algn="ctr"/>
-            <a:br>
-              <a:rPr lang="en-US" altLang="zh-CN" b="1" dirty="0"/>
-            </a:br>
-            <a:br>
-              <a:rPr lang="en-US" altLang="zh-CN" b="1" dirty="0"/>
-            </a:br>
-            <a:br>
-              <a:rPr lang="en-US" altLang="zh-CN" b="1" dirty="0"/>
-            </a:br>
-            <a:br>
-              <a:rPr lang="en-US" altLang="zh-CN" b="1" dirty="0"/>
-            </a:br>
-            <a:br>
-              <a:rPr lang="en-US" altLang="zh-CN" b="1" dirty="0"/>
-            </a:br>
-            <a:br>
-              <a:rPr lang="en-US" altLang="zh-CN" b="1" dirty="0"/>
-            </a:br>
-            <a:endParaRPr lang="en-US" altLang="zh-CN" b="1" dirty="0"/>
-          </a:p>
-          <a:p>
-            <a:pPr algn="ctr"/>
-            <a:endParaRPr lang="en-US" altLang="zh-CN" b="1" dirty="0"/>
-          </a:p>
-          <a:p>
-            <a:pPr algn="ctr"/>
-            <a:r>
-              <a:rPr lang="en-US" altLang="zh-CN" b="1" dirty="0"/>
-              <a:t>Step 1: Identify Memory Access Pattern</a:t>
-            </a:r>
-            <a:endParaRPr lang="en-US" altLang="zh-CN" b="1" dirty="0"/>
-          </a:p>
-        </p:txBody>
-      </p:sp>
-      <p:sp>
-        <p:nvSpPr>
-          <p:cNvPr id="46" name="流程图: 可选过程 45"/>
-          <p:cNvSpPr/>
-          <p:nvPr/>
-        </p:nvSpPr>
-        <p:spPr>
-          <a:xfrm>
-            <a:off x="2345557" y="1062034"/>
-            <a:ext cx="2477275" cy="536696"/>
-          </a:xfrm>
-          <a:prstGeom prst="flowChartAlternateProcess">
-            <a:avLst/>
-          </a:prstGeom>
-          <a:solidFill>
-            <a:schemeClr val="accent4">
-              <a:lumMod val="20000"/>
-              <a:lumOff val="80000"/>
-            </a:schemeClr>
-          </a:solidFill>
-        </p:spPr>
-        <p:style>
-          <a:lnRef idx="2">
-            <a:schemeClr val="accent6"/>
-          </a:lnRef>
-          <a:fillRef idx="1">
-            <a:schemeClr val="lt1"/>
-          </a:fillRef>
-          <a:effectRef idx="0">
-            <a:schemeClr val="accent6"/>
-          </a:effectRef>
-          <a:fontRef idx="minor">
-            <a:schemeClr val="dk1"/>
-          </a:fontRef>
-        </p:style>
-        <p:txBody>
-          <a:bodyPr rtlCol="0" anchor="ctr"/>
-          <a:lstStyle/>
-          <a:p>
-            <a:pPr algn="ctr"/>
-            <a:r>
-              <a:rPr lang="en-US" altLang="zh-CN" dirty="0"/>
-              <a:t>Identify Pattern</a:t>
-            </a:r>
-            <a:endParaRPr lang="zh-CN" altLang="en-US" dirty="0"/>
-          </a:p>
-        </p:txBody>
-      </p:sp>
-      <p:sp>
-        <p:nvSpPr>
-          <p:cNvPr id="48" name="流程图: 可选过程 47"/>
-          <p:cNvSpPr/>
-          <p:nvPr/>
-        </p:nvSpPr>
-        <p:spPr>
-          <a:xfrm>
-            <a:off x="1992213" y="2018121"/>
-            <a:ext cx="3188657" cy="944053"/>
-          </a:xfrm>
-          <a:prstGeom prst="flowChartAlternateProcess">
-            <a:avLst/>
-          </a:prstGeom>
-          <a:solidFill>
-            <a:schemeClr val="accent4">
-              <a:lumMod val="20000"/>
-              <a:lumOff val="80000"/>
-            </a:schemeClr>
-          </a:solidFill>
-        </p:spPr>
-        <p:style>
-          <a:lnRef idx="2">
-            <a:schemeClr val="accent6"/>
-          </a:lnRef>
-          <a:fillRef idx="1">
-            <a:schemeClr val="lt1"/>
-          </a:fillRef>
-          <a:effectRef idx="0">
-            <a:schemeClr val="accent6"/>
-          </a:effectRef>
-          <a:fontRef idx="minor">
-            <a:schemeClr val="dk1"/>
-          </a:fontRef>
-        </p:style>
-        <p:txBody>
-          <a:bodyPr rtlCol="0" anchor="ctr"/>
-          <a:lstStyle/>
-          <a:p>
-            <a:pPr algn="ctr"/>
-            <a:br>
-              <a:rPr lang="en-US" altLang="zh-CN" dirty="0"/>
-            </a:br>
-            <a:br>
-              <a:rPr lang="en-US" altLang="zh-CN" dirty="0"/>
-            </a:br>
-            <a:r>
-              <a:rPr lang="en-US" altLang="zh-CN" dirty="0"/>
-              <a:t>Obtain pattern list</a:t>
-            </a:r>
-            <a:endParaRPr lang="en-US" altLang="zh-CN" dirty="0"/>
-          </a:p>
-        </p:txBody>
-      </p:sp>
-      <p:sp>
-        <p:nvSpPr>
-          <p:cNvPr id="49" name="矩形 48"/>
-          <p:cNvSpPr/>
-          <p:nvPr/>
-        </p:nvSpPr>
-        <p:spPr>
-          <a:xfrm>
-            <a:off x="2550116" y="2115949"/>
-            <a:ext cx="728598" cy="374198"/>
-          </a:xfrm>
-          <a:prstGeom prst="rect">
-            <a:avLst/>
-          </a:prstGeom>
-          <a:ln>
-            <a:solidFill>
-              <a:schemeClr val="tx1"/>
-            </a:solidFill>
-          </a:ln>
-        </p:spPr>
-        <p:style>
-          <a:lnRef idx="2">
-            <a:schemeClr val="accent6"/>
-          </a:lnRef>
-          <a:fillRef idx="1">
-            <a:schemeClr val="lt1"/>
-          </a:fillRef>
-          <a:effectRef idx="0">
-            <a:schemeClr val="accent6"/>
-          </a:effectRef>
-          <a:fontRef idx="minor">
-            <a:schemeClr val="dk1"/>
-          </a:fontRef>
-        </p:style>
-        <p:txBody>
-          <a:bodyPr rtlCol="0" anchor="ctr"/>
-          <a:lstStyle/>
-          <a:p>
-            <a:pPr algn="ctr"/>
-            <a:r>
-              <a:rPr lang="en-US" altLang="zh-CN" dirty="0">
-                <a:ln w="0"/>
-                <a:effectLst>
-                  <a:outerShdw blurRad="38100" dist="19050" dir="2700000" algn="tl" rotWithShape="0">
-                    <a:schemeClr val="dk1">
-                      <a:alpha val="40000"/>
-                    </a:schemeClr>
-                  </a:outerShdw>
-                </a:effectLst>
-              </a:rPr>
-              <a:t>JPF</a:t>
-            </a:r>
-            <a:endParaRPr lang="en-US" altLang="zh-CN" dirty="0">
-              <a:ln w="0"/>
-              <a:effectLst>
-                <a:outerShdw blurRad="38100" dist="19050" dir="2700000" algn="tl" rotWithShape="0">
-                  <a:schemeClr val="dk1">
-                    <a:alpha val="40000"/>
-                  </a:schemeClr>
-                </a:outerShdw>
-              </a:effectLst>
-            </a:endParaRPr>
-          </a:p>
-        </p:txBody>
-      </p:sp>
-      <p:sp>
-        <p:nvSpPr>
-          <p:cNvPr id="51" name="矩形 50"/>
-          <p:cNvSpPr/>
-          <p:nvPr/>
-        </p:nvSpPr>
-        <p:spPr>
-          <a:xfrm>
-            <a:off x="3543261" y="2093972"/>
-            <a:ext cx="1117262" cy="387210"/>
-          </a:xfrm>
-          <a:prstGeom prst="rect">
-            <a:avLst/>
-          </a:prstGeom>
-          <a:ln>
-            <a:solidFill>
-              <a:schemeClr val="tx1"/>
-            </a:solidFill>
-          </a:ln>
-        </p:spPr>
-        <p:style>
-          <a:lnRef idx="2">
-            <a:schemeClr val="accent6"/>
-          </a:lnRef>
-          <a:fillRef idx="1">
-            <a:schemeClr val="lt1"/>
-          </a:fillRef>
-          <a:effectRef idx="0">
-            <a:schemeClr val="accent6"/>
-          </a:effectRef>
-          <a:fontRef idx="minor">
-            <a:schemeClr val="dk1"/>
-          </a:fontRef>
-        </p:style>
-        <p:txBody>
-          <a:bodyPr rtlCol="0" anchor="ctr"/>
-          <a:lstStyle/>
-          <a:p>
-            <a:pPr algn="ctr"/>
-            <a:r>
-              <a:rPr lang="en-US" altLang="zh-CN" dirty="0">
-                <a:ln w="0"/>
-                <a:effectLst>
-                  <a:outerShdw blurRad="38100" dist="19050" dir="2700000" algn="tl" rotWithShape="0">
-                    <a:schemeClr val="dk1">
-                      <a:alpha val="40000"/>
-                    </a:schemeClr>
-                  </a:outerShdw>
-                </a:effectLst>
-              </a:rPr>
-              <a:t>Unicorn</a:t>
-            </a:r>
-            <a:endParaRPr lang="en-US" altLang="zh-CN" dirty="0">
-              <a:ln w="0"/>
-              <a:effectLst>
-                <a:outerShdw blurRad="38100" dist="19050" dir="2700000" algn="tl" rotWithShape="0">
-                  <a:schemeClr val="dk1">
-                    <a:alpha val="40000"/>
-                  </a:schemeClr>
-                </a:outerShdw>
-              </a:effectLst>
-            </a:endParaRPr>
-          </a:p>
-        </p:txBody>
-      </p:sp>
-      <p:cxnSp>
-        <p:nvCxnSpPr>
-          <p:cNvPr id="69" name="直接箭头连接符 68"/>
-          <p:cNvCxnSpPr>
-            <a:stCxn id="48" idx="0"/>
-            <a:endCxn id="46" idx="2"/>
-          </p:cNvCxnSpPr>
-          <p:nvPr/>
-        </p:nvCxnSpPr>
-        <p:spPr>
-          <a:xfrm flipH="1" flipV="1">
-            <a:off x="3584196" y="1598731"/>
-            <a:ext cx="2346" cy="419390"/>
-          </a:xfrm>
-          <a:prstGeom prst="straightConnector1">
-            <a:avLst/>
-          </a:prstGeom>
-          <a:ln w="19050" cmpd="sng">
-            <a:solidFill>
-              <a:schemeClr val="tx1"/>
-            </a:solidFill>
-            <a:prstDash val="solid"/>
-            <a:tailEnd type="arrow"/>
-          </a:ln>
-        </p:spPr>
-        <p:style>
-          <a:lnRef idx="1">
-            <a:schemeClr val="accent1"/>
-          </a:lnRef>
-          <a:fillRef idx="0">
-            <a:schemeClr val="accent1"/>
-          </a:fillRef>
-          <a:effectRef idx="0">
-            <a:schemeClr val="accent1"/>
-          </a:effectRef>
-          <a:fontRef idx="minor">
-            <a:schemeClr val="tx1"/>
-          </a:fontRef>
-        </p:style>
-      </p:cxnSp>
-      <p:sp>
-        <p:nvSpPr>
-          <p:cNvPr id="73" name="流程图: 可选过程 72"/>
-          <p:cNvSpPr/>
-          <p:nvPr/>
-        </p:nvSpPr>
-        <p:spPr>
-          <a:xfrm>
-            <a:off x="7098699" y="815991"/>
-            <a:ext cx="3677221" cy="1208341"/>
-          </a:xfrm>
-          <a:prstGeom prst="flowChartAlternateProcess">
-            <a:avLst/>
-          </a:prstGeom>
-          <a:solidFill>
-            <a:schemeClr val="accent6">
-              <a:lumMod val="20000"/>
-              <a:lumOff val="80000"/>
-            </a:schemeClr>
-          </a:solidFill>
-          <a:ln w="3175">
-            <a:solidFill>
-              <a:schemeClr val="accent1"/>
-            </a:solidFill>
-            <a:prstDash val="solid"/>
-          </a:ln>
-        </p:spPr>
-        <p:style>
-          <a:lnRef idx="2">
-            <a:schemeClr val="accent6"/>
-          </a:lnRef>
-          <a:fillRef idx="1">
-            <a:schemeClr val="lt1"/>
-          </a:fillRef>
-          <a:effectRef idx="0">
-            <a:schemeClr val="accent6"/>
-          </a:effectRef>
-          <a:fontRef idx="minor">
-            <a:schemeClr val="dk1"/>
-          </a:fontRef>
-        </p:style>
-        <p:txBody>
-          <a:bodyPr rtlCol="0" anchor="ctr"/>
-          <a:lstStyle/>
-          <a:p>
-            <a:pPr algn="ctr"/>
-            <a:br>
-              <a:rPr lang="en-US" altLang="zh-CN" b="1" dirty="0"/>
-            </a:br>
-            <a:br>
-              <a:rPr lang="en-US" altLang="zh-CN" b="1" dirty="0"/>
-            </a:br>
-            <a:r>
-              <a:rPr lang="en-US" altLang="zh-CN" b="1" dirty="0"/>
-              <a:t>Step 2: </a:t>
-            </a:r>
-            <a:r>
-              <a:rPr lang="en-US" altLang="zh-CN" b="1" dirty="0">
-                <a:sym typeface="+mn-ea"/>
-              </a:rPr>
-              <a:t>Identify Locking Policy</a:t>
-            </a:r>
-            <a:endParaRPr lang="en-US" altLang="zh-CN" b="1" dirty="0"/>
-          </a:p>
-        </p:txBody>
-      </p:sp>
-      <p:sp>
-        <p:nvSpPr>
-          <p:cNvPr id="144" name="流程图: 可选过程 143"/>
-          <p:cNvSpPr/>
-          <p:nvPr/>
-        </p:nvSpPr>
-        <p:spPr>
-          <a:xfrm>
-            <a:off x="6144895" y="4353560"/>
-            <a:ext cx="4631055" cy="1591310"/>
-          </a:xfrm>
-          <a:prstGeom prst="flowChartAlternateProcess">
-            <a:avLst/>
-          </a:prstGeom>
-          <a:solidFill>
-            <a:schemeClr val="accent6">
-              <a:lumMod val="20000"/>
-              <a:lumOff val="80000"/>
-            </a:schemeClr>
-          </a:solidFill>
-          <a:ln>
-            <a:solidFill>
-              <a:schemeClr val="accent1"/>
-            </a:solidFill>
-            <a:prstDash val="solid"/>
-          </a:ln>
-        </p:spPr>
-        <p:style>
-          <a:lnRef idx="2">
-            <a:schemeClr val="accent6"/>
-          </a:lnRef>
-          <a:fillRef idx="1">
-            <a:schemeClr val="lt1"/>
-          </a:fillRef>
-          <a:effectRef idx="0">
-            <a:schemeClr val="accent6"/>
-          </a:effectRef>
-          <a:fontRef idx="minor">
-            <a:schemeClr val="dk1"/>
-          </a:fontRef>
-        </p:style>
-        <p:txBody>
-          <a:bodyPr rtlCol="0" anchor="ctr"/>
-          <a:lstStyle/>
-          <a:p>
-            <a:pPr algn="ctr"/>
-            <a:endParaRPr lang="en-US" altLang="zh-CN" b="1" dirty="0"/>
-          </a:p>
-          <a:p>
-            <a:pPr algn="ctr"/>
-            <a:endParaRPr lang="en-US" altLang="zh-CN" b="1" dirty="0"/>
-          </a:p>
-          <a:p>
-            <a:pPr algn="ctr"/>
-            <a:endParaRPr lang="en-US" altLang="zh-CN" b="1" dirty="0"/>
-          </a:p>
-          <a:p>
-            <a:pPr algn="ctr"/>
-            <a:endParaRPr lang="en-US" altLang="zh-CN" b="1" dirty="0"/>
-          </a:p>
-          <a:p>
-            <a:pPr algn="ctr"/>
-            <a:r>
-              <a:rPr lang="en-US" altLang="zh-CN" b="1" dirty="0"/>
-              <a:t>Step 4: Fix the Fixed Program</a:t>
-            </a:r>
-            <a:endParaRPr lang="en-US" altLang="zh-CN" b="1" dirty="0"/>
-          </a:p>
-        </p:txBody>
-      </p:sp>
-      <p:cxnSp>
-        <p:nvCxnSpPr>
-          <p:cNvPr id="166" name="直接箭头连接符 165"/>
-          <p:cNvCxnSpPr/>
-          <p:nvPr/>
-        </p:nvCxnSpPr>
-        <p:spPr>
-          <a:xfrm>
-            <a:off x="8936990" y="2024380"/>
-            <a:ext cx="7620" cy="578485"/>
-          </a:xfrm>
-          <a:prstGeom prst="straightConnector1">
-            <a:avLst/>
-          </a:prstGeom>
-          <a:ln w="38100" cmpd="sng">
-            <a:solidFill>
-              <a:schemeClr val="tx1"/>
-            </a:solidFill>
-            <a:prstDash val="solid"/>
-            <a:tailEnd type="arrow"/>
-          </a:ln>
-        </p:spPr>
-        <p:style>
-          <a:lnRef idx="1">
-            <a:schemeClr val="accent1"/>
-          </a:lnRef>
-          <a:fillRef idx="0">
-            <a:schemeClr val="accent1"/>
-          </a:fillRef>
-          <a:effectRef idx="0">
-            <a:schemeClr val="accent1"/>
-          </a:effectRef>
-          <a:fontRef idx="minor">
-            <a:schemeClr val="tx1"/>
-          </a:fontRef>
-        </p:style>
-      </p:cxnSp>
-      <p:cxnSp>
-        <p:nvCxnSpPr>
-          <p:cNvPr id="171" name="直接箭头连接符 170"/>
-          <p:cNvCxnSpPr/>
-          <p:nvPr/>
-        </p:nvCxnSpPr>
-        <p:spPr>
-          <a:xfrm>
-            <a:off x="3132455" y="3803015"/>
-            <a:ext cx="0" cy="748665"/>
-          </a:xfrm>
-          <a:prstGeom prst="straightConnector1">
-            <a:avLst/>
-          </a:prstGeom>
-          <a:ln w="38100" cmpd="sng">
-            <a:solidFill>
-              <a:schemeClr val="tx1"/>
-            </a:solidFill>
-            <a:prstDash val="solid"/>
-            <a:headEnd type="arrow"/>
-            <a:tailEnd type="none"/>
-          </a:ln>
-        </p:spPr>
-        <p:style>
-          <a:lnRef idx="1">
-            <a:schemeClr val="accent1"/>
-          </a:lnRef>
-          <a:fillRef idx="0">
-            <a:schemeClr val="accent1"/>
-          </a:fillRef>
-          <a:effectRef idx="0">
-            <a:schemeClr val="accent1"/>
-          </a:effectRef>
-          <a:fontRef idx="minor">
-            <a:schemeClr val="tx1"/>
-          </a:fontRef>
-        </p:style>
-      </p:cxnSp>
-      <p:cxnSp>
-        <p:nvCxnSpPr>
-          <p:cNvPr id="172" name="直接箭头连接符 171"/>
-          <p:cNvCxnSpPr>
-            <a:stCxn id="145" idx="3"/>
-            <a:endCxn id="152" idx="1"/>
-          </p:cNvCxnSpPr>
-          <p:nvPr/>
-        </p:nvCxnSpPr>
-        <p:spPr>
-          <a:xfrm>
-            <a:off x="8618220" y="4986655"/>
-            <a:ext cx="332105" cy="3175"/>
-          </a:xfrm>
-          <a:prstGeom prst="straightConnector1">
-            <a:avLst/>
-          </a:prstGeom>
-          <a:ln w="19050" cmpd="sng">
-            <a:solidFill>
-              <a:schemeClr val="tx1"/>
-            </a:solidFill>
-            <a:prstDash val="solid"/>
-            <a:tailEnd type="arrow"/>
-          </a:ln>
-        </p:spPr>
-        <p:style>
-          <a:lnRef idx="1">
-            <a:schemeClr val="accent1"/>
-          </a:lnRef>
-          <a:fillRef idx="0">
-            <a:schemeClr val="accent1"/>
-          </a:fillRef>
-          <a:effectRef idx="0">
-            <a:schemeClr val="accent1"/>
-          </a:effectRef>
-          <a:fontRef idx="minor">
-            <a:schemeClr val="tx1"/>
-          </a:fontRef>
-        </p:style>
-      </p:cxnSp>
-      <p:sp>
-        <p:nvSpPr>
-          <p:cNvPr id="9" name="矩形 8"/>
-          <p:cNvSpPr/>
-          <p:nvPr/>
-        </p:nvSpPr>
-        <p:spPr>
-          <a:xfrm>
-            <a:off x="7775197" y="982701"/>
-            <a:ext cx="1006528" cy="339310"/>
-          </a:xfrm>
-          <a:prstGeom prst="rect">
-            <a:avLst/>
-          </a:prstGeom>
-          <a:ln>
-            <a:solidFill>
-              <a:schemeClr val="tx1"/>
-            </a:solidFill>
-          </a:ln>
-        </p:spPr>
-        <p:style>
-          <a:lnRef idx="2">
-            <a:schemeClr val="accent6"/>
-          </a:lnRef>
-          <a:fillRef idx="1">
-            <a:schemeClr val="lt1"/>
-          </a:fillRef>
-          <a:effectRef idx="0">
-            <a:schemeClr val="accent6"/>
-          </a:effectRef>
-          <a:fontRef idx="minor">
-            <a:schemeClr val="dk1"/>
-          </a:fontRef>
-        </p:style>
-        <p:txBody>
-          <a:bodyPr rtlCol="0" anchor="ctr"/>
-          <a:lstStyle/>
-          <a:p>
-            <a:pPr algn="ctr"/>
-            <a:r>
-              <a:rPr lang="en-US" altLang="zh-CN" dirty="0">
-                <a:ln w="0"/>
-                <a:effectLst>
-                  <a:outerShdw blurRad="38100" dist="19050" dir="2700000" algn="tl" rotWithShape="0">
-                    <a:schemeClr val="dk1">
-                      <a:alpha val="40000"/>
-                    </a:schemeClr>
-                  </a:outerShdw>
-                </a:effectLst>
-              </a:rPr>
-              <a:t>JPF</a:t>
-            </a:r>
-            <a:endParaRPr lang="en-US" altLang="zh-CN" dirty="0">
-              <a:ln w="0"/>
-              <a:effectLst>
-                <a:outerShdw blurRad="38100" dist="19050" dir="2700000" algn="tl" rotWithShape="0">
-                  <a:schemeClr val="dk1">
-                    <a:alpha val="40000"/>
-                  </a:schemeClr>
-                </a:outerShdw>
-              </a:effectLst>
-            </a:endParaRPr>
-          </a:p>
-        </p:txBody>
-      </p:sp>
-      <p:sp>
-        <p:nvSpPr>
-          <p:cNvPr id="13" name="矩形 12"/>
-          <p:cNvSpPr/>
-          <p:nvPr/>
-        </p:nvSpPr>
-        <p:spPr>
-          <a:xfrm>
-            <a:off x="9115388" y="986788"/>
-            <a:ext cx="1174551" cy="339310"/>
-          </a:xfrm>
-          <a:prstGeom prst="rect">
-            <a:avLst/>
-          </a:prstGeom>
-          <a:ln>
-            <a:solidFill>
-              <a:schemeClr val="tx1"/>
-            </a:solidFill>
-          </a:ln>
-        </p:spPr>
-        <p:style>
-          <a:lnRef idx="2">
-            <a:schemeClr val="accent6"/>
-          </a:lnRef>
-          <a:fillRef idx="1">
-            <a:schemeClr val="lt1"/>
-          </a:fillRef>
-          <a:effectRef idx="0">
-            <a:schemeClr val="accent6"/>
-          </a:effectRef>
-          <a:fontRef idx="minor">
-            <a:schemeClr val="dk1"/>
-          </a:fontRef>
-        </p:style>
-        <p:txBody>
-          <a:bodyPr rtlCol="0" anchor="ctr"/>
-          <a:lstStyle/>
-          <a:p>
-            <a:pPr algn="ctr"/>
-            <a:r>
-              <a:rPr lang="en-US" altLang="zh-CN" dirty="0">
-                <a:ln w="0"/>
-                <a:effectLst>
-                  <a:outerShdw blurRad="38100" dist="19050" dir="2700000" algn="tl" rotWithShape="0">
-                    <a:schemeClr val="dk1">
-                      <a:alpha val="40000"/>
-                    </a:schemeClr>
-                  </a:outerShdw>
-                </a:effectLst>
-              </a:rPr>
-              <a:t>Unicorn</a:t>
-            </a:r>
-            <a:endParaRPr lang="en-US" altLang="zh-CN" dirty="0">
-              <a:ln w="0"/>
-              <a:effectLst>
-                <a:outerShdw blurRad="38100" dist="19050" dir="2700000" algn="tl" rotWithShape="0">
-                  <a:schemeClr val="dk1">
-                    <a:alpha val="40000"/>
-                  </a:schemeClr>
-                </a:outerShdw>
-              </a:effectLst>
-            </a:endParaRPr>
-          </a:p>
-        </p:txBody>
-      </p:sp>
-      <p:grpSp>
-        <p:nvGrpSpPr>
-          <p:cNvPr id="119" name="组合 118"/>
-          <p:cNvGrpSpPr/>
-          <p:nvPr/>
-        </p:nvGrpSpPr>
-        <p:grpSpPr>
-          <a:xfrm>
-            <a:off x="7098665" y="2602865"/>
-            <a:ext cx="3677285" cy="1172210"/>
-            <a:chOff x="5325563" y="1802328"/>
-            <a:chExt cx="2466750" cy="811388"/>
-          </a:xfrm>
-        </p:grpSpPr>
-        <p:sp>
-          <p:nvSpPr>
-            <p:cNvPr id="83" name="流程图: 可选过程 82"/>
-            <p:cNvSpPr/>
-            <p:nvPr/>
-          </p:nvSpPr>
-          <p:spPr>
-            <a:xfrm>
-              <a:off x="5325563" y="1802328"/>
-              <a:ext cx="2466750" cy="811388"/>
-            </a:xfrm>
-            <a:prstGeom prst="flowChartAlternateProcess">
-              <a:avLst/>
-            </a:prstGeom>
-            <a:solidFill>
-              <a:schemeClr val="accent6">
-                <a:lumMod val="20000"/>
-                <a:lumOff val="80000"/>
-              </a:schemeClr>
-            </a:solidFill>
-            <a:ln>
-              <a:solidFill>
-                <a:schemeClr val="accent1"/>
-              </a:solidFill>
-              <a:prstDash val="solid"/>
-            </a:ln>
-          </p:spPr>
-          <p:style>
-            <a:lnRef idx="2">
-              <a:schemeClr val="accent6"/>
-            </a:lnRef>
-            <a:fillRef idx="1">
-              <a:schemeClr val="lt1"/>
-            </a:fillRef>
-            <a:effectRef idx="0">
-              <a:schemeClr val="accent6"/>
-            </a:effectRef>
-            <a:fontRef idx="minor">
-              <a:schemeClr val="dk1"/>
-            </a:fontRef>
-          </p:style>
-          <p:txBody>
-            <a:bodyPr rtlCol="0" anchor="ctr"/>
-            <a:lstStyle/>
-            <a:p>
-              <a:pPr algn="ctr"/>
-              <a:br>
-                <a:rPr lang="en-US" altLang="zh-CN" b="1" dirty="0"/>
-              </a:br>
-              <a:br>
-                <a:rPr lang="en-US" altLang="zh-CN" b="1" dirty="0"/>
-              </a:br>
-              <a:r>
-                <a:rPr lang="en-US" altLang="zh-CN" b="1" dirty="0"/>
-                <a:t>Step 3: </a:t>
-              </a:r>
-              <a:r>
-                <a:rPr lang="en-US" altLang="zh-CN" b="1" dirty="0">
-                  <a:sym typeface="+mn-ea"/>
-                </a:rPr>
-                <a:t>Fix Bugs</a:t>
-              </a:r>
-              <a:endParaRPr lang="en-US" altLang="zh-CN" b="1" dirty="0"/>
-            </a:p>
-          </p:txBody>
-        </p:sp>
-        <p:sp>
-          <p:nvSpPr>
-            <p:cNvPr id="85" name="矩形 84"/>
-            <p:cNvSpPr/>
-            <p:nvPr/>
-          </p:nvSpPr>
-          <p:spPr>
-            <a:xfrm>
-              <a:off x="5727107" y="1902947"/>
-              <a:ext cx="733799" cy="239252"/>
-            </a:xfrm>
-            <a:prstGeom prst="rect">
-              <a:avLst/>
-            </a:prstGeom>
-            <a:ln>
-              <a:solidFill>
-                <a:schemeClr val="tx1"/>
-              </a:solidFill>
-              <a:prstDash val="solid"/>
-            </a:ln>
-          </p:spPr>
-          <p:style>
-            <a:lnRef idx="2">
-              <a:schemeClr val="accent6"/>
-            </a:lnRef>
-            <a:fillRef idx="1">
-              <a:schemeClr val="lt1"/>
-            </a:fillRef>
-            <a:effectRef idx="0">
-              <a:schemeClr val="accent6"/>
-            </a:effectRef>
-            <a:fontRef idx="minor">
-              <a:schemeClr val="dk1"/>
-            </a:fontRef>
-          </p:style>
-          <p:txBody>
-            <a:bodyPr rtlCol="0" anchor="ctr"/>
-            <a:lstStyle/>
-            <a:p>
-              <a:pPr algn="ctr"/>
-              <a:r>
-                <a:rPr lang="en-US" altLang="zh-CN" dirty="0"/>
-                <a:t>Soot</a:t>
-              </a:r>
-              <a:endParaRPr lang="zh-CN" altLang="en-US" dirty="0"/>
-            </a:p>
-          </p:txBody>
-        </p:sp>
-        <p:sp>
-          <p:nvSpPr>
-            <p:cNvPr id="19" name="矩形 18"/>
-            <p:cNvSpPr/>
-            <p:nvPr/>
-          </p:nvSpPr>
-          <p:spPr>
-            <a:xfrm>
-              <a:off x="6771086" y="1926090"/>
-              <a:ext cx="629735" cy="216109"/>
-            </a:xfrm>
-            <a:prstGeom prst="rect">
-              <a:avLst/>
-            </a:prstGeom>
-            <a:ln>
-              <a:solidFill>
-                <a:schemeClr val="tx1"/>
-              </a:solidFill>
-              <a:prstDash val="solid"/>
-            </a:ln>
-          </p:spPr>
-          <p:style>
-            <a:lnRef idx="2">
-              <a:schemeClr val="accent6"/>
-            </a:lnRef>
-            <a:fillRef idx="1">
-              <a:schemeClr val="lt1"/>
-            </a:fillRef>
-            <a:effectRef idx="0">
-              <a:schemeClr val="accent6"/>
-            </a:effectRef>
-            <a:fontRef idx="minor">
-              <a:schemeClr val="dk1"/>
-            </a:fontRef>
-          </p:style>
-          <p:txBody>
-            <a:bodyPr rtlCol="0" anchor="ctr"/>
-            <a:lstStyle/>
-            <a:p>
-              <a:pPr algn="ctr"/>
-              <a:r>
-                <a:rPr lang="en-US" altLang="zh-CN" dirty="0"/>
-                <a:t>AST</a:t>
-              </a:r>
-              <a:endParaRPr lang="zh-CN" altLang="en-US" dirty="0"/>
-            </a:p>
-          </p:txBody>
-        </p:sp>
-      </p:grpSp>
-      <p:grpSp>
-        <p:nvGrpSpPr>
-          <p:cNvPr id="113" name="组合 112"/>
-          <p:cNvGrpSpPr/>
-          <p:nvPr/>
-        </p:nvGrpSpPr>
-        <p:grpSpPr>
-          <a:xfrm>
-            <a:off x="8950325" y="4488815"/>
-            <a:ext cx="1726565" cy="1002030"/>
-            <a:chOff x="5753216" y="3214821"/>
-            <a:chExt cx="1349318" cy="693475"/>
-          </a:xfrm>
-        </p:grpSpPr>
-        <p:sp>
-          <p:nvSpPr>
-            <p:cNvPr id="152" name="流程图: 可选过程 151"/>
-            <p:cNvSpPr/>
-            <p:nvPr/>
-          </p:nvSpPr>
-          <p:spPr>
-            <a:xfrm>
-              <a:off x="5753216" y="3214821"/>
-              <a:ext cx="1349318" cy="693475"/>
-            </a:xfrm>
-            <a:prstGeom prst="flowChartAlternateProcess">
-              <a:avLst/>
-            </a:prstGeom>
-            <a:solidFill>
-              <a:schemeClr val="accent4">
-                <a:lumMod val="20000"/>
-                <a:lumOff val="80000"/>
-              </a:schemeClr>
-            </a:solidFill>
-          </p:spPr>
-          <p:style>
-            <a:lnRef idx="2">
-              <a:schemeClr val="accent6"/>
-            </a:lnRef>
-            <a:fillRef idx="1">
-              <a:schemeClr val="lt1"/>
-            </a:fillRef>
-            <a:effectRef idx="0">
-              <a:schemeClr val="accent6"/>
-            </a:effectRef>
-            <a:fontRef idx="minor">
-              <a:schemeClr val="dk1"/>
-            </a:fontRef>
-          </p:style>
-          <p:txBody>
-            <a:bodyPr rtlCol="0" anchor="ctr"/>
-            <a:lstStyle/>
-            <a:p>
-              <a:pPr algn="ctr"/>
-              <a:br>
-                <a:rPr lang="en-US" altLang="zh-CN" dirty="0">
-                  <a:sym typeface="+mn-ea"/>
-                </a:rPr>
-              </a:br>
-              <a:r>
-                <a:rPr lang="en-US" altLang="zh-CN" dirty="0">
-                  <a:sym typeface="+mn-ea"/>
-                </a:rPr>
-                <a:t>Propagate </a:t>
-              </a:r>
-              <a:br>
-                <a:rPr lang="en-US" altLang="zh-CN" dirty="0">
-                  <a:sym typeface="+mn-ea"/>
-                </a:rPr>
-              </a:br>
-              <a:r>
-                <a:rPr lang="en-US" altLang="zh-CN" dirty="0">
-                  <a:sym typeface="+mn-ea"/>
-                </a:rPr>
-                <a:t>locking policy</a:t>
-              </a:r>
-              <a:endParaRPr lang="en-US" altLang="zh-CN" dirty="0"/>
-            </a:p>
-          </p:txBody>
-        </p:sp>
-        <p:sp>
-          <p:nvSpPr>
-            <p:cNvPr id="23" name="矩形 22"/>
-            <p:cNvSpPr/>
-            <p:nvPr/>
-          </p:nvSpPr>
-          <p:spPr>
-            <a:xfrm>
-              <a:off x="6089507" y="3260461"/>
-              <a:ext cx="690337" cy="200549"/>
-            </a:xfrm>
-            <a:prstGeom prst="rect">
-              <a:avLst/>
-            </a:prstGeom>
-            <a:ln>
-              <a:solidFill>
-                <a:schemeClr val="tx1"/>
-              </a:solidFill>
-            </a:ln>
-          </p:spPr>
-          <p:style>
-            <a:lnRef idx="2">
-              <a:schemeClr val="accent6"/>
-            </a:lnRef>
-            <a:fillRef idx="1">
-              <a:schemeClr val="lt1"/>
-            </a:fillRef>
-            <a:effectRef idx="0">
-              <a:schemeClr val="accent6"/>
-            </a:effectRef>
-            <a:fontRef idx="minor">
-              <a:schemeClr val="dk1"/>
-            </a:fontRef>
-          </p:style>
-          <p:txBody>
-            <a:bodyPr rtlCol="0" anchor="ctr"/>
-            <a:lstStyle/>
-            <a:p>
-              <a:pPr algn="ctr"/>
-              <a:r>
-                <a:rPr lang="en-US" altLang="zh-CN" dirty="0">
-                  <a:ln w="0"/>
-                  <a:effectLst>
-                    <a:outerShdw blurRad="38100" dist="19050" dir="2700000" algn="tl" rotWithShape="0">
-                      <a:schemeClr val="dk1">
-                        <a:alpha val="40000"/>
-                      </a:schemeClr>
-                    </a:outerShdw>
-                  </a:effectLst>
-                </a:rPr>
-                <a:t>AST</a:t>
-              </a:r>
-              <a:endParaRPr lang="en-US" altLang="zh-CN" dirty="0">
-                <a:ln w="0"/>
-                <a:effectLst>
-                  <a:outerShdw blurRad="38100" dist="19050" dir="2700000" algn="tl" rotWithShape="0">
-                    <a:schemeClr val="dk1">
-                      <a:alpha val="40000"/>
-                    </a:schemeClr>
-                  </a:outerShdw>
-                </a:effectLst>
-              </a:endParaRPr>
-            </a:p>
-          </p:txBody>
-        </p:sp>
-      </p:grpSp>
-      <p:grpSp>
-        <p:nvGrpSpPr>
-          <p:cNvPr id="80" name="组合 79"/>
-          <p:cNvGrpSpPr/>
-          <p:nvPr/>
-        </p:nvGrpSpPr>
-        <p:grpSpPr>
-          <a:xfrm>
-            <a:off x="6271260" y="4504690"/>
-            <a:ext cx="2346960" cy="963930"/>
-            <a:chOff x="5986768" y="4336388"/>
-            <a:chExt cx="2272632" cy="515219"/>
-          </a:xfrm>
-        </p:grpSpPr>
-        <p:sp>
-          <p:nvSpPr>
-            <p:cNvPr id="145" name="流程图: 可选过程 144"/>
-            <p:cNvSpPr/>
-            <p:nvPr/>
-          </p:nvSpPr>
-          <p:spPr>
-            <a:xfrm>
-              <a:off x="5986768" y="4336388"/>
-              <a:ext cx="2272632" cy="515219"/>
-            </a:xfrm>
-            <a:prstGeom prst="flowChartAlternateProcess">
-              <a:avLst/>
-            </a:prstGeom>
-            <a:solidFill>
-              <a:schemeClr val="accent4">
-                <a:lumMod val="20000"/>
-                <a:lumOff val="80000"/>
-              </a:schemeClr>
-            </a:solidFill>
-          </p:spPr>
-          <p:style>
-            <a:lnRef idx="2">
-              <a:schemeClr val="accent6"/>
-            </a:lnRef>
-            <a:fillRef idx="1">
-              <a:schemeClr val="lt1"/>
-            </a:fillRef>
-            <a:effectRef idx="0">
-              <a:schemeClr val="accent6"/>
-            </a:effectRef>
-            <a:fontRef idx="minor">
-              <a:schemeClr val="dk1"/>
-            </a:fontRef>
-          </p:style>
-          <p:txBody>
-            <a:bodyPr rtlCol="0" anchor="ctr"/>
-            <a:lstStyle/>
-            <a:p>
-              <a:pPr algn="ctr"/>
-              <a:br>
-                <a:rPr lang="en-US" altLang="zh-CN" dirty="0">
-                  <a:sym typeface="+mn-ea"/>
-                </a:rPr>
-              </a:br>
-              <a:r>
-                <a:rPr lang="en-US" altLang="zh-CN" dirty="0">
-                  <a:sym typeface="+mn-ea"/>
-                </a:rPr>
-                <a:t>Remove redundant locking</a:t>
-              </a:r>
-              <a:endParaRPr lang="en-US" altLang="zh-CN" dirty="0"/>
-            </a:p>
-          </p:txBody>
-        </p:sp>
-        <p:grpSp>
-          <p:nvGrpSpPr>
-            <p:cNvPr id="75" name="组合 74"/>
-            <p:cNvGrpSpPr/>
-            <p:nvPr/>
-          </p:nvGrpSpPr>
-          <p:grpSpPr>
-            <a:xfrm>
-              <a:off x="6301692" y="4360386"/>
-              <a:ext cx="1737939" cy="178507"/>
-              <a:chOff x="6285995" y="4333104"/>
-              <a:chExt cx="1710990" cy="178467"/>
-            </a:xfrm>
-          </p:grpSpPr>
-          <p:sp>
-            <p:nvSpPr>
-              <p:cNvPr id="11" name="矩形 10"/>
-              <p:cNvSpPr/>
-              <p:nvPr/>
-            </p:nvSpPr>
-            <p:spPr>
-              <a:xfrm>
-                <a:off x="6285995" y="4333104"/>
-                <a:ext cx="680642" cy="178467"/>
-              </a:xfrm>
-              <a:prstGeom prst="rect">
-                <a:avLst/>
-              </a:prstGeom>
-              <a:ln>
-                <a:solidFill>
-                  <a:schemeClr val="tx1"/>
-                </a:solidFill>
-              </a:ln>
-            </p:spPr>
-            <p:style>
-              <a:lnRef idx="2">
-                <a:schemeClr val="accent6"/>
-              </a:lnRef>
-              <a:fillRef idx="1">
-                <a:schemeClr val="lt1"/>
-              </a:fillRef>
-              <a:effectRef idx="0">
-                <a:schemeClr val="accent6"/>
-              </a:effectRef>
-              <a:fontRef idx="minor">
-                <a:schemeClr val="dk1"/>
-              </a:fontRef>
-            </p:style>
-            <p:txBody>
-              <a:bodyPr rtlCol="0" anchor="ctr"/>
-              <a:lstStyle/>
-              <a:p>
-                <a:pPr algn="ctr"/>
-                <a:r>
-                  <a:rPr lang="en-US" altLang="zh-CN" dirty="0">
-                    <a:ln w="0"/>
-                    <a:effectLst>
-                      <a:outerShdw blurRad="38100" dist="19050" dir="2700000" algn="tl" rotWithShape="0">
-                        <a:schemeClr val="dk1">
-                          <a:alpha val="40000"/>
-                        </a:schemeClr>
-                      </a:outerShdw>
-                    </a:effectLst>
-                  </a:rPr>
-                  <a:t>JPF</a:t>
-                </a:r>
-                <a:endParaRPr lang="en-US" altLang="zh-CN" dirty="0">
-                  <a:ln w="0"/>
-                  <a:effectLst>
-                    <a:outerShdw blurRad="38100" dist="19050" dir="2700000" algn="tl" rotWithShape="0">
-                      <a:schemeClr val="dk1">
-                        <a:alpha val="40000"/>
-                      </a:schemeClr>
-                    </a:outerShdw>
-                  </a:effectLst>
-                </a:endParaRPr>
-              </a:p>
-            </p:txBody>
-          </p:sp>
-          <p:sp>
-            <p:nvSpPr>
-              <p:cNvPr id="25" name="矩形 24"/>
-              <p:cNvSpPr/>
-              <p:nvPr/>
-            </p:nvSpPr>
-            <p:spPr>
-              <a:xfrm>
-                <a:off x="7217305" y="4337293"/>
-                <a:ext cx="779680" cy="172321"/>
-              </a:xfrm>
-              <a:prstGeom prst="rect">
-                <a:avLst/>
-              </a:prstGeom>
-              <a:ln>
-                <a:solidFill>
-                  <a:schemeClr val="tx1"/>
-                </a:solidFill>
-              </a:ln>
-            </p:spPr>
-            <p:style>
-              <a:lnRef idx="2">
-                <a:schemeClr val="accent6"/>
-              </a:lnRef>
-              <a:fillRef idx="1">
-                <a:schemeClr val="lt1"/>
-              </a:fillRef>
-              <a:effectRef idx="0">
-                <a:schemeClr val="accent6"/>
-              </a:effectRef>
-              <a:fontRef idx="minor">
-                <a:schemeClr val="dk1"/>
-              </a:fontRef>
-            </p:style>
-            <p:txBody>
-              <a:bodyPr rtlCol="0" anchor="ctr"/>
-              <a:lstStyle/>
-              <a:p>
-                <a:pPr algn="ctr"/>
-                <a:r>
-                  <a:rPr lang="en-US" altLang="zh-CN" dirty="0">
-                    <a:ln w="0"/>
-                    <a:effectLst>
-                      <a:outerShdw blurRad="38100" dist="19050" dir="2700000" algn="tl" rotWithShape="0">
-                        <a:schemeClr val="dk1">
-                          <a:alpha val="40000"/>
-                        </a:schemeClr>
-                      </a:outerShdw>
-                    </a:effectLst>
-                  </a:rPr>
-                  <a:t>AST</a:t>
-                </a:r>
-                <a:endParaRPr lang="en-US" altLang="zh-CN" dirty="0">
-                  <a:ln w="0"/>
-                  <a:effectLst>
-                    <a:outerShdw blurRad="38100" dist="19050" dir="2700000" algn="tl" rotWithShape="0">
-                      <a:schemeClr val="dk1">
-                        <a:alpha val="40000"/>
-                      </a:schemeClr>
-                    </a:outerShdw>
-                  </a:effectLst>
-                </a:endParaRPr>
-              </a:p>
-            </p:txBody>
-          </p:sp>
-        </p:grpSp>
-      </p:grpSp>
-      <p:grpSp>
-        <p:nvGrpSpPr>
-          <p:cNvPr id="64" name="组合 63"/>
-          <p:cNvGrpSpPr/>
-          <p:nvPr/>
-        </p:nvGrpSpPr>
-        <p:grpSpPr>
-          <a:xfrm>
-            <a:off x="1470025" y="4353560"/>
-            <a:ext cx="3190240" cy="1591310"/>
-            <a:chOff x="1482223" y="3429081"/>
-            <a:chExt cx="1784501" cy="627351"/>
-          </a:xfrm>
-          <a:solidFill>
-            <a:srgbClr val="E2F0D9"/>
-          </a:solidFill>
-        </p:grpSpPr>
-        <p:sp>
-          <p:nvSpPr>
-            <p:cNvPr id="156" name="流程图: 可选过程 155"/>
-            <p:cNvSpPr/>
-            <p:nvPr/>
-          </p:nvSpPr>
-          <p:spPr>
-            <a:xfrm>
-              <a:off x="1482223" y="3429081"/>
-              <a:ext cx="1784501" cy="627351"/>
-            </a:xfrm>
-            <a:prstGeom prst="flowChartAlternateProcess">
-              <a:avLst/>
-            </a:prstGeom>
-            <a:grpFill/>
-            <a:ln>
-              <a:solidFill>
-                <a:srgbClr val="5B9BD5"/>
-              </a:solidFill>
-            </a:ln>
-          </p:spPr>
-          <p:style>
-            <a:lnRef idx="2">
-              <a:schemeClr val="accent6"/>
-            </a:lnRef>
-            <a:fillRef idx="1">
-              <a:schemeClr val="lt1"/>
-            </a:fillRef>
-            <a:effectRef idx="0">
-              <a:schemeClr val="accent6"/>
-            </a:effectRef>
-            <a:fontRef idx="minor">
-              <a:schemeClr val="dk1"/>
-            </a:fontRef>
-          </p:style>
-          <p:txBody>
-            <a:bodyPr rtlCol="0" anchor="ctr"/>
-            <a:lstStyle/>
-            <a:p>
-              <a:pPr algn="ctr"/>
-              <a:endParaRPr lang="en-US" altLang="zh-CN" dirty="0">
-                <a:sym typeface="+mn-ea"/>
-              </a:endParaRPr>
-            </a:p>
-            <a:p>
-              <a:pPr algn="ctr"/>
-              <a:endParaRPr lang="en-US" altLang="zh-CN" dirty="0">
-                <a:sym typeface="+mn-ea"/>
-              </a:endParaRPr>
-            </a:p>
-            <a:p>
-              <a:pPr algn="ctr"/>
-              <a:r>
-                <a:rPr lang="en-US" altLang="zh-CN" b="1" dirty="0">
-                  <a:sym typeface="+mn-ea"/>
-                </a:rPr>
-                <a:t>Step 5: Test Fixed Program</a:t>
+                <a:t>Step 5: Test the Fixed Program</a:t>
               </a:r>
               <a:endParaRPr lang="en-US" altLang="zh-CN" b="1" dirty="0"/>
             </a:p>
